--- a/TI2710-D.pptx
+++ b/TI2710-D.pptx
@@ -2,7 +2,7 @@
 <file path=ppt/presentation.xml><?xml version="1.0" encoding="utf-8"?>
 <p:presentation xmlns:a="http://schemas.openxmlformats.org/drawingml/2006/main" xmlns:r="http://schemas.openxmlformats.org/officeDocument/2006/relationships" xmlns:p="http://schemas.openxmlformats.org/presentationml/2006/main" saveSubsetFonts="1">
   <p:sldMasterIdLst>
-    <p:sldMasterId id="2147483660" r:id="rId1"/>
+    <p:sldMasterId id="2147483684" r:id="rId1"/>
   </p:sldMasterIdLst>
   <p:sldIdLst>
     <p:sldId id="256" r:id="rId2"/>
@@ -16,6 +16,14 @@
     <p:sldId id="265" r:id="rId10"/>
     <p:sldId id="264" r:id="rId11"/>
     <p:sldId id="266" r:id="rId12"/>
+    <p:sldId id="267" r:id="rId13"/>
+    <p:sldId id="274" r:id="rId14"/>
+    <p:sldId id="268" r:id="rId15"/>
+    <p:sldId id="269" r:id="rId16"/>
+    <p:sldId id="270" r:id="rId17"/>
+    <p:sldId id="271" r:id="rId18"/>
+    <p:sldId id="272" r:id="rId19"/>
+    <p:sldId id="273" r:id="rId20"/>
   </p:sldIdLst>
   <p:sldSz cx="9144000" cy="6858000" type="screen4x3"/>
   <p:notesSz cx="6858000" cy="9144000"/>
@@ -119,7 +127,7 @@
 
 <file path=ppt/slideLayouts/slideLayout1.xml><?xml version="1.0" encoding="utf-8"?>
 <p:sldLayout xmlns:a="http://schemas.openxmlformats.org/drawingml/2006/main" xmlns:r="http://schemas.openxmlformats.org/officeDocument/2006/relationships" xmlns:p="http://schemas.openxmlformats.org/presentationml/2006/main" showMasterSp="0" type="title" preserve="1">
-  <p:cSld name="Titeldia">
+  <p:cSld name="Title Slide">
     <p:spTree>
       <p:nvGrpSpPr>
         <p:cNvPr id="1" name=""/>
@@ -2722,8 +2730,8 @@
           </a:lstStyle>
           <a:p>
             <a:r>
-              <a:rPr lang="nl-NL" smtClean="0"/>
-              <a:t>Klik om de stijl te bewerken</a:t>
+              <a:rPr lang="en-US" smtClean="0"/>
+              <a:t>Click to edit Master title style</a:t>
             </a:r>
             <a:endParaRPr lang="en-US" dirty="0"/>
           </a:p>
@@ -2841,8 +2849,8 @@
           </a:lstStyle>
           <a:p>
             <a:r>
-              <a:rPr lang="nl-NL" smtClean="0"/>
-              <a:t>Klik om de ondertitelstijl van het model te bewerken</a:t>
+              <a:rPr lang="en-US" smtClean="0"/>
+              <a:t>Click to edit Master subtitle style</a:t>
             </a:r>
             <a:endParaRPr lang="en-US" dirty="0"/>
           </a:p>
@@ -2874,7 +2882,7 @@
           <a:p>
             <a:fld id="{18E341D7-FE3C-4133-BFCB-D03B8B9B2BF6}" type="datetimeFigureOut">
               <a:rPr lang="nl-NL" smtClean="0"/>
-              <a:t>16-1-2013</a:t>
+              <a:t>17-1-2013</a:t>
             </a:fld>
             <a:endParaRPr lang="nl-NL"/>
           </a:p>
@@ -2990,7 +2998,7 @@
           <a:p>
             <a:fld id="{E0EC6244-8606-4734-87C5-5B0956C0F268}" type="slidenum">
               <a:rPr lang="nl-NL" smtClean="0"/>
-              <a:t>‹nr.›</a:t>
+              <a:t>‹#›</a:t>
             </a:fld>
             <a:endParaRPr lang="nl-NL"/>
           </a:p>
@@ -3052,7 +3060,7 @@
 
 <file path=ppt/slideLayouts/slideLayout10.xml><?xml version="1.0" encoding="utf-8"?>
 <p:sldLayout xmlns:a="http://schemas.openxmlformats.org/drawingml/2006/main" xmlns:r="http://schemas.openxmlformats.org/officeDocument/2006/relationships" xmlns:p="http://schemas.openxmlformats.org/presentationml/2006/main" type="vertTx" preserve="1">
-  <p:cSld name="Titel en verticale tekst">
+  <p:cSld name="Title and Vertical Text">
     <p:spTree>
       <p:nvGrpSpPr>
         <p:cNvPr id="1" name=""/>
@@ -3083,8 +3091,8 @@
           <a:lstStyle/>
           <a:p>
             <a:r>
-              <a:rPr lang="nl-NL" smtClean="0"/>
-              <a:t>Klik om de stijl te bewerken</a:t>
+              <a:rPr lang="en-US" smtClean="0"/>
+              <a:t>Click to edit Master title style</a:t>
             </a:r>
             <a:endParaRPr lang="en-US"/>
           </a:p>
@@ -3107,36 +3115,36 @@
           <a:p>
             <a:pPr lvl="0"/>
             <a:r>
-              <a:rPr lang="nl-NL" smtClean="0"/>
-              <a:t>Klik om de modelstijlen te bewerken</a:t>
+              <a:rPr lang="en-US" smtClean="0"/>
+              <a:t>Click to edit Master text styles</a:t>
             </a:r>
           </a:p>
           <a:p>
             <a:pPr lvl="1"/>
             <a:r>
-              <a:rPr lang="nl-NL" smtClean="0"/>
-              <a:t>Tweede niveau</a:t>
+              <a:rPr lang="en-US" smtClean="0"/>
+              <a:t>Second level</a:t>
             </a:r>
           </a:p>
           <a:p>
             <a:pPr lvl="2"/>
             <a:r>
-              <a:rPr lang="nl-NL" smtClean="0"/>
-              <a:t>Derde niveau</a:t>
+              <a:rPr lang="en-US" smtClean="0"/>
+              <a:t>Third level</a:t>
             </a:r>
           </a:p>
           <a:p>
             <a:pPr lvl="3"/>
             <a:r>
-              <a:rPr lang="nl-NL" smtClean="0"/>
-              <a:t>Vierde niveau</a:t>
+              <a:rPr lang="en-US" smtClean="0"/>
+              <a:t>Fourth level</a:t>
             </a:r>
           </a:p>
           <a:p>
             <a:pPr lvl="4"/>
             <a:r>
-              <a:rPr lang="nl-NL" smtClean="0"/>
-              <a:t>Vijfde niveau</a:t>
+              <a:rPr lang="en-US" smtClean="0"/>
+              <a:t>Fifth level</a:t>
             </a:r>
             <a:endParaRPr lang="en-US"/>
           </a:p>
@@ -3159,7 +3167,7 @@
           <a:p>
             <a:fld id="{18E341D7-FE3C-4133-BFCB-D03B8B9B2BF6}" type="datetimeFigureOut">
               <a:rPr lang="nl-NL" smtClean="0"/>
-              <a:t>16-1-2013</a:t>
+              <a:t>17-1-2013</a:t>
             </a:fld>
             <a:endParaRPr lang="nl-NL"/>
           </a:p>
@@ -3201,7 +3209,7 @@
           <a:p>
             <a:fld id="{E0EC6244-8606-4734-87C5-5B0956C0F268}" type="slidenum">
               <a:rPr lang="nl-NL" smtClean="0"/>
-              <a:t>‹nr.›</a:t>
+              <a:t>‹#›</a:t>
             </a:fld>
             <a:endParaRPr lang="nl-NL"/>
           </a:p>
@@ -3217,7 +3225,7 @@
 
 <file path=ppt/slideLayouts/slideLayout11.xml><?xml version="1.0" encoding="utf-8"?>
 <p:sldLayout xmlns:a="http://schemas.openxmlformats.org/drawingml/2006/main" xmlns:r="http://schemas.openxmlformats.org/officeDocument/2006/relationships" xmlns:p="http://schemas.openxmlformats.org/presentationml/2006/main" type="vertTitleAndTx" preserve="1">
-  <p:cSld name="Verticale titel en tekst">
+  <p:cSld name="Vertical Title and Text">
     <p:spTree>
       <p:nvGrpSpPr>
         <p:cNvPr id="1" name=""/>
@@ -3253,8 +3261,8 @@
           <a:lstStyle/>
           <a:p>
             <a:r>
-              <a:rPr lang="nl-NL" smtClean="0"/>
-              <a:t>Klik om de stijl te bewerken</a:t>
+              <a:rPr lang="en-US" smtClean="0"/>
+              <a:t>Click to edit Master title style</a:t>
             </a:r>
             <a:endParaRPr lang="en-US"/>
           </a:p>
@@ -3282,36 +3290,36 @@
           <a:p>
             <a:pPr lvl="0"/>
             <a:r>
-              <a:rPr lang="nl-NL" smtClean="0"/>
-              <a:t>Klik om de modelstijlen te bewerken</a:t>
+              <a:rPr lang="en-US" smtClean="0"/>
+              <a:t>Click to edit Master text styles</a:t>
             </a:r>
           </a:p>
           <a:p>
             <a:pPr lvl="1"/>
             <a:r>
-              <a:rPr lang="nl-NL" smtClean="0"/>
-              <a:t>Tweede niveau</a:t>
+              <a:rPr lang="en-US" smtClean="0"/>
+              <a:t>Second level</a:t>
             </a:r>
           </a:p>
           <a:p>
             <a:pPr lvl="2"/>
             <a:r>
-              <a:rPr lang="nl-NL" smtClean="0"/>
-              <a:t>Derde niveau</a:t>
+              <a:rPr lang="en-US" smtClean="0"/>
+              <a:t>Third level</a:t>
             </a:r>
           </a:p>
           <a:p>
             <a:pPr lvl="3"/>
             <a:r>
-              <a:rPr lang="nl-NL" smtClean="0"/>
-              <a:t>Vierde niveau</a:t>
+              <a:rPr lang="en-US" smtClean="0"/>
+              <a:t>Fourth level</a:t>
             </a:r>
           </a:p>
           <a:p>
             <a:pPr lvl="4"/>
             <a:r>
-              <a:rPr lang="nl-NL" smtClean="0"/>
-              <a:t>Vijfde niveau</a:t>
+              <a:rPr lang="en-US" smtClean="0"/>
+              <a:t>Fifth level</a:t>
             </a:r>
             <a:endParaRPr lang="en-US"/>
           </a:p>
@@ -3334,7 +3342,7 @@
           <a:p>
             <a:fld id="{18E341D7-FE3C-4133-BFCB-D03B8B9B2BF6}" type="datetimeFigureOut">
               <a:rPr lang="nl-NL" smtClean="0"/>
-              <a:t>16-1-2013</a:t>
+              <a:t>17-1-2013</a:t>
             </a:fld>
             <a:endParaRPr lang="nl-NL"/>
           </a:p>
@@ -3376,7 +3384,7 @@
           <a:p>
             <a:fld id="{E0EC6244-8606-4734-87C5-5B0956C0F268}" type="slidenum">
               <a:rPr lang="nl-NL" smtClean="0"/>
-              <a:t>‹nr.›</a:t>
+              <a:t>‹#›</a:t>
             </a:fld>
             <a:endParaRPr lang="nl-NL"/>
           </a:p>
@@ -3392,7 +3400,7 @@
 
 <file path=ppt/slideLayouts/slideLayout2.xml><?xml version="1.0" encoding="utf-8"?>
 <p:sldLayout xmlns:a="http://schemas.openxmlformats.org/drawingml/2006/main" xmlns:r="http://schemas.openxmlformats.org/officeDocument/2006/relationships" xmlns:p="http://schemas.openxmlformats.org/presentationml/2006/main" type="obj" preserve="1">
-  <p:cSld name="Titel en object">
+  <p:cSld name="Title and Content">
     <p:spTree>
       <p:nvGrpSpPr>
         <p:cNvPr id="1" name=""/>
@@ -3423,8 +3431,8 @@
           <a:lstStyle/>
           <a:p>
             <a:r>
-              <a:rPr lang="nl-NL" smtClean="0"/>
-              <a:t>Klik om de stijl te bewerken</a:t>
+              <a:rPr lang="en-US" smtClean="0"/>
+              <a:t>Click to edit Master title style</a:t>
             </a:r>
             <a:endParaRPr lang="en-US"/>
           </a:p>
@@ -3447,36 +3455,36 @@
           <a:p>
             <a:pPr lvl="0"/>
             <a:r>
-              <a:rPr lang="nl-NL" smtClean="0"/>
-              <a:t>Klik om de modelstijlen te bewerken</a:t>
+              <a:rPr lang="en-US" smtClean="0"/>
+              <a:t>Click to edit Master text styles</a:t>
             </a:r>
           </a:p>
           <a:p>
             <a:pPr lvl="1"/>
             <a:r>
-              <a:rPr lang="nl-NL" smtClean="0"/>
-              <a:t>Tweede niveau</a:t>
+              <a:rPr lang="en-US" smtClean="0"/>
+              <a:t>Second level</a:t>
             </a:r>
           </a:p>
           <a:p>
             <a:pPr lvl="2"/>
             <a:r>
-              <a:rPr lang="nl-NL" smtClean="0"/>
-              <a:t>Derde niveau</a:t>
+              <a:rPr lang="en-US" smtClean="0"/>
+              <a:t>Third level</a:t>
             </a:r>
           </a:p>
           <a:p>
             <a:pPr lvl="3"/>
             <a:r>
-              <a:rPr lang="nl-NL" smtClean="0"/>
-              <a:t>Vierde niveau</a:t>
+              <a:rPr lang="en-US" smtClean="0"/>
+              <a:t>Fourth level</a:t>
             </a:r>
           </a:p>
           <a:p>
             <a:pPr lvl="4"/>
             <a:r>
-              <a:rPr lang="nl-NL" smtClean="0"/>
-              <a:t>Vijfde niveau</a:t>
+              <a:rPr lang="en-US" smtClean="0"/>
+              <a:t>Fifth level</a:t>
             </a:r>
             <a:endParaRPr lang="en-US" dirty="0"/>
           </a:p>
@@ -3499,7 +3507,7 @@
           <a:p>
             <a:fld id="{18E341D7-FE3C-4133-BFCB-D03B8B9B2BF6}" type="datetimeFigureOut">
               <a:rPr lang="nl-NL" smtClean="0"/>
-              <a:t>16-1-2013</a:t>
+              <a:t>17-1-2013</a:t>
             </a:fld>
             <a:endParaRPr lang="nl-NL"/>
           </a:p>
@@ -3539,11 +3547,16 @@
           <a:bodyPr/>
           <a:lstStyle/>
           <a:p>
+            <a:r>
+              <a:rPr lang="nl-NL" dirty="0" smtClean="0"/>
+              <a:t>Pagina </a:t>
+            </a:r>
             <a:fld id="{E0EC6244-8606-4734-87C5-5B0956C0F268}" type="slidenum">
               <a:rPr lang="nl-NL" smtClean="0"/>
-              <a:t>‹nr.›</a:t>
+              <a:pPr/>
+              <a:t>‹#›</a:t>
             </a:fld>
-            <a:endParaRPr lang="nl-NL"/>
+            <a:endParaRPr lang="nl-NL" dirty="0"/>
           </a:p>
         </p:txBody>
       </p:sp>
@@ -3552,12 +3565,19 @@
   <p:clrMapOvr>
     <a:masterClrMapping/>
   </p:clrMapOvr>
+  <p:timing>
+    <p:tnLst>
+      <p:par>
+        <p:cTn id="1" dur="indefinite" restart="never" nodeType="tmRoot"/>
+      </p:par>
+    </p:tnLst>
+  </p:timing>
 </p:sldLayout>
 </file>
 
 <file path=ppt/slideLayouts/slideLayout3.xml><?xml version="1.0" encoding="utf-8"?>
 <p:sldLayout xmlns:a="http://schemas.openxmlformats.org/drawingml/2006/main" xmlns:r="http://schemas.openxmlformats.org/officeDocument/2006/relationships" xmlns:p="http://schemas.openxmlformats.org/presentationml/2006/main" type="secHead" preserve="1">
-  <p:cSld name="Sectiekop">
+  <p:cSld name="Section Header">
     <p:spTree>
       <p:nvGrpSpPr>
         <p:cNvPr id="1" name=""/>
@@ -3597,8 +3617,8 @@
           </a:lstStyle>
           <a:p>
             <a:r>
-              <a:rPr lang="nl-NL" smtClean="0"/>
-              <a:t>Klik om de stijl te bewerken</a:t>
+              <a:rPr lang="en-US" smtClean="0"/>
+              <a:t>Click to edit Master title style</a:t>
             </a:r>
             <a:endParaRPr lang="en-US" dirty="0"/>
           </a:p>
@@ -3717,8 +3737,8 @@
           <a:p>
             <a:pPr lvl="0"/>
             <a:r>
-              <a:rPr lang="nl-NL" smtClean="0"/>
-              <a:t>Klik om de modelstijlen te bewerken</a:t>
+              <a:rPr lang="en-US" smtClean="0"/>
+              <a:t>Click to edit Master text styles</a:t>
             </a:r>
           </a:p>
         </p:txBody>
@@ -3740,7 +3760,7 @@
           <a:p>
             <a:fld id="{18E341D7-FE3C-4133-BFCB-D03B8B9B2BF6}" type="datetimeFigureOut">
               <a:rPr lang="nl-NL" smtClean="0"/>
-              <a:t>16-1-2013</a:t>
+              <a:t>17-1-2013</a:t>
             </a:fld>
             <a:endParaRPr lang="nl-NL"/>
           </a:p>
@@ -3782,7 +3802,7 @@
           <a:p>
             <a:fld id="{E0EC6244-8606-4734-87C5-5B0956C0F268}" type="slidenum">
               <a:rPr lang="nl-NL" smtClean="0"/>
-              <a:t>‹nr.›</a:t>
+              <a:t>‹#›</a:t>
             </a:fld>
             <a:endParaRPr lang="nl-NL"/>
           </a:p>
@@ -3798,7 +3818,7 @@
 
 <file path=ppt/slideLayouts/slideLayout4.xml><?xml version="1.0" encoding="utf-8"?>
 <p:sldLayout xmlns:a="http://schemas.openxmlformats.org/drawingml/2006/main" xmlns:r="http://schemas.openxmlformats.org/officeDocument/2006/relationships" xmlns:p="http://schemas.openxmlformats.org/presentationml/2006/main" type="twoObj" preserve="1">
-  <p:cSld name="Inhoud van twee">
+  <p:cSld name="Two Content">
     <p:spTree>
       <p:nvGrpSpPr>
         <p:cNvPr id="1" name=""/>
@@ -3829,8 +3849,8 @@
           <a:lstStyle/>
           <a:p>
             <a:r>
-              <a:rPr lang="nl-NL" smtClean="0"/>
-              <a:t>Klik om de stijl te bewerken</a:t>
+              <a:rPr lang="en-US" smtClean="0"/>
+              <a:t>Click to edit Master title style</a:t>
             </a:r>
             <a:endParaRPr lang="en-US"/>
           </a:p>
@@ -3853,7 +3873,7 @@
           <a:p>
             <a:fld id="{18E341D7-FE3C-4133-BFCB-D03B8B9B2BF6}" type="datetimeFigureOut">
               <a:rPr lang="nl-NL" smtClean="0"/>
-              <a:t>16-1-2013</a:t>
+              <a:t>17-1-2013</a:t>
             </a:fld>
             <a:endParaRPr lang="nl-NL"/>
           </a:p>
@@ -3895,7 +3915,7 @@
           <a:p>
             <a:fld id="{E0EC6244-8606-4734-87C5-5B0956C0F268}" type="slidenum">
               <a:rPr lang="nl-NL" smtClean="0"/>
-              <a:t>‹nr.›</a:t>
+              <a:t>‹#›</a:t>
             </a:fld>
             <a:endParaRPr lang="nl-NL"/>
           </a:p>
@@ -3923,36 +3943,36 @@
           <a:p>
             <a:pPr lvl="0"/>
             <a:r>
-              <a:rPr lang="nl-NL" smtClean="0"/>
-              <a:t>Klik om de modelstijlen te bewerken</a:t>
+              <a:rPr lang="en-US" smtClean="0"/>
+              <a:t>Click to edit Master text styles</a:t>
             </a:r>
           </a:p>
           <a:p>
             <a:pPr lvl="1"/>
             <a:r>
-              <a:rPr lang="nl-NL" smtClean="0"/>
-              <a:t>Tweede niveau</a:t>
+              <a:rPr lang="en-US" smtClean="0"/>
+              <a:t>Second level</a:t>
             </a:r>
           </a:p>
           <a:p>
             <a:pPr lvl="2"/>
             <a:r>
-              <a:rPr lang="nl-NL" smtClean="0"/>
-              <a:t>Derde niveau</a:t>
+              <a:rPr lang="en-US" smtClean="0"/>
+              <a:t>Third level</a:t>
             </a:r>
           </a:p>
           <a:p>
             <a:pPr lvl="3"/>
             <a:r>
-              <a:rPr lang="nl-NL" smtClean="0"/>
-              <a:t>Vierde niveau</a:t>
+              <a:rPr lang="en-US" smtClean="0"/>
+              <a:t>Fourth level</a:t>
             </a:r>
           </a:p>
           <a:p>
             <a:pPr lvl="4"/>
             <a:r>
-              <a:rPr lang="nl-NL" smtClean="0"/>
-              <a:t>Vijfde niveau</a:t>
+              <a:rPr lang="en-US" smtClean="0"/>
+              <a:t>Fifth level</a:t>
             </a:r>
             <a:endParaRPr lang="en-US" dirty="0"/>
           </a:p>
@@ -3980,36 +4000,36 @@
           <a:p>
             <a:pPr lvl="0"/>
             <a:r>
-              <a:rPr lang="nl-NL" smtClean="0"/>
-              <a:t>Klik om de modelstijlen te bewerken</a:t>
+              <a:rPr lang="en-US" smtClean="0"/>
+              <a:t>Click to edit Master text styles</a:t>
             </a:r>
           </a:p>
           <a:p>
             <a:pPr lvl="1"/>
             <a:r>
-              <a:rPr lang="nl-NL" smtClean="0"/>
-              <a:t>Tweede niveau</a:t>
+              <a:rPr lang="en-US" smtClean="0"/>
+              <a:t>Second level</a:t>
             </a:r>
           </a:p>
           <a:p>
             <a:pPr lvl="2"/>
             <a:r>
-              <a:rPr lang="nl-NL" smtClean="0"/>
-              <a:t>Derde niveau</a:t>
+              <a:rPr lang="en-US" smtClean="0"/>
+              <a:t>Third level</a:t>
             </a:r>
           </a:p>
           <a:p>
             <a:pPr lvl="3"/>
             <a:r>
-              <a:rPr lang="nl-NL" smtClean="0"/>
-              <a:t>Vierde niveau</a:t>
+              <a:rPr lang="en-US" smtClean="0"/>
+              <a:t>Fourth level</a:t>
             </a:r>
           </a:p>
           <a:p>
             <a:pPr lvl="4"/>
             <a:r>
-              <a:rPr lang="nl-NL" smtClean="0"/>
-              <a:t>Vijfde niveau</a:t>
+              <a:rPr lang="en-US" smtClean="0"/>
+              <a:t>Fifth level</a:t>
             </a:r>
             <a:endParaRPr lang="en-US"/>
           </a:p>
@@ -4025,7 +4045,7 @@
 
 <file path=ppt/slideLayouts/slideLayout5.xml><?xml version="1.0" encoding="utf-8"?>
 <p:sldLayout xmlns:a="http://schemas.openxmlformats.org/drawingml/2006/main" xmlns:r="http://schemas.openxmlformats.org/officeDocument/2006/relationships" xmlns:p="http://schemas.openxmlformats.org/presentationml/2006/main" type="twoTxTwoObj" preserve="1">
-  <p:cSld name="Vergelijking">
+  <p:cSld name="Comparison">
     <p:spTree>
       <p:nvGrpSpPr>
         <p:cNvPr id="1" name=""/>
@@ -4060,8 +4080,8 @@
           </a:lstStyle>
           <a:p>
             <a:r>
-              <a:rPr lang="nl-NL" smtClean="0"/>
-              <a:t>Klik om de stijl te bewerken</a:t>
+              <a:rPr lang="en-US" smtClean="0"/>
+              <a:t>Click to edit Master title style</a:t>
             </a:r>
             <a:endParaRPr lang="en-US"/>
           </a:p>
@@ -4130,8 +4150,8 @@
           <a:p>
             <a:pPr lvl="0"/>
             <a:r>
-              <a:rPr lang="nl-NL" smtClean="0"/>
-              <a:t>Klik om de modelstijlen te bewerken</a:t>
+              <a:rPr lang="en-US" smtClean="0"/>
+              <a:t>Click to edit Master text styles</a:t>
             </a:r>
           </a:p>
         </p:txBody>
@@ -4186,36 +4206,36 @@
           <a:p>
             <a:pPr lvl="0"/>
             <a:r>
-              <a:rPr lang="nl-NL" smtClean="0"/>
-              <a:t>Klik om de modelstijlen te bewerken</a:t>
+              <a:rPr lang="en-US" smtClean="0"/>
+              <a:t>Click to edit Master text styles</a:t>
             </a:r>
           </a:p>
           <a:p>
             <a:pPr lvl="1"/>
             <a:r>
-              <a:rPr lang="nl-NL" smtClean="0"/>
-              <a:t>Tweede niveau</a:t>
+              <a:rPr lang="en-US" smtClean="0"/>
+              <a:t>Second level</a:t>
             </a:r>
           </a:p>
           <a:p>
             <a:pPr lvl="2"/>
             <a:r>
-              <a:rPr lang="nl-NL" smtClean="0"/>
-              <a:t>Derde niveau</a:t>
+              <a:rPr lang="en-US" smtClean="0"/>
+              <a:t>Third level</a:t>
             </a:r>
           </a:p>
           <a:p>
             <a:pPr lvl="3"/>
             <a:r>
-              <a:rPr lang="nl-NL" smtClean="0"/>
-              <a:t>Vierde niveau</a:t>
+              <a:rPr lang="en-US" smtClean="0"/>
+              <a:t>Fourth level</a:t>
             </a:r>
           </a:p>
           <a:p>
             <a:pPr lvl="4"/>
             <a:r>
-              <a:rPr lang="nl-NL" smtClean="0"/>
-              <a:t>Vijfde niveau</a:t>
+              <a:rPr lang="en-US" smtClean="0"/>
+              <a:t>Fifth level</a:t>
             </a:r>
             <a:endParaRPr lang="en-US" dirty="0"/>
           </a:p>
@@ -4284,8 +4304,8 @@
           <a:p>
             <a:pPr lvl="0"/>
             <a:r>
-              <a:rPr lang="nl-NL" smtClean="0"/>
-              <a:t>Klik om de modelstijlen te bewerken</a:t>
+              <a:rPr lang="en-US" smtClean="0"/>
+              <a:t>Click to edit Master text styles</a:t>
             </a:r>
           </a:p>
         </p:txBody>
@@ -4340,36 +4360,36 @@
           <a:p>
             <a:pPr lvl="0"/>
             <a:r>
-              <a:rPr lang="nl-NL" smtClean="0"/>
-              <a:t>Klik om de modelstijlen te bewerken</a:t>
+              <a:rPr lang="en-US" smtClean="0"/>
+              <a:t>Click to edit Master text styles</a:t>
             </a:r>
           </a:p>
           <a:p>
             <a:pPr lvl="1"/>
             <a:r>
-              <a:rPr lang="nl-NL" smtClean="0"/>
-              <a:t>Tweede niveau</a:t>
+              <a:rPr lang="en-US" smtClean="0"/>
+              <a:t>Second level</a:t>
             </a:r>
           </a:p>
           <a:p>
             <a:pPr lvl="2"/>
             <a:r>
-              <a:rPr lang="nl-NL" smtClean="0"/>
-              <a:t>Derde niveau</a:t>
+              <a:rPr lang="en-US" smtClean="0"/>
+              <a:t>Third level</a:t>
             </a:r>
           </a:p>
           <a:p>
             <a:pPr lvl="3"/>
             <a:r>
-              <a:rPr lang="nl-NL" smtClean="0"/>
-              <a:t>Vierde niveau</a:t>
+              <a:rPr lang="en-US" smtClean="0"/>
+              <a:t>Fourth level</a:t>
             </a:r>
           </a:p>
           <a:p>
             <a:pPr lvl="4"/>
             <a:r>
-              <a:rPr lang="nl-NL" smtClean="0"/>
-              <a:t>Vijfde niveau</a:t>
+              <a:rPr lang="en-US" smtClean="0"/>
+              <a:t>Fifth level</a:t>
             </a:r>
             <a:endParaRPr lang="en-US" dirty="0"/>
           </a:p>
@@ -4392,7 +4412,7 @@
           <a:p>
             <a:fld id="{18E341D7-FE3C-4133-BFCB-D03B8B9B2BF6}" type="datetimeFigureOut">
               <a:rPr lang="nl-NL" smtClean="0"/>
-              <a:t>16-1-2013</a:t>
+              <a:t>17-1-2013</a:t>
             </a:fld>
             <a:endParaRPr lang="nl-NL"/>
           </a:p>
@@ -4434,7 +4454,7 @@
           <a:p>
             <a:fld id="{E0EC6244-8606-4734-87C5-5B0956C0F268}" type="slidenum">
               <a:rPr lang="nl-NL" smtClean="0"/>
-              <a:t>‹nr.›</a:t>
+              <a:t>‹#›</a:t>
             </a:fld>
             <a:endParaRPr lang="nl-NL"/>
           </a:p>
@@ -4450,7 +4470,7 @@
 
 <file path=ppt/slideLayouts/slideLayout6.xml><?xml version="1.0" encoding="utf-8"?>
 <p:sldLayout xmlns:a="http://schemas.openxmlformats.org/drawingml/2006/main" xmlns:r="http://schemas.openxmlformats.org/officeDocument/2006/relationships" xmlns:p="http://schemas.openxmlformats.org/presentationml/2006/main" type="titleOnly" preserve="1">
-  <p:cSld name="Alleen titel">
+  <p:cSld name="Title Only">
     <p:spTree>
       <p:nvGrpSpPr>
         <p:cNvPr id="1" name=""/>
@@ -4481,8 +4501,8 @@
           <a:lstStyle/>
           <a:p>
             <a:r>
-              <a:rPr lang="nl-NL" smtClean="0"/>
-              <a:t>Klik om de stijl te bewerken</a:t>
+              <a:rPr lang="en-US" smtClean="0"/>
+              <a:t>Click to edit Master title style</a:t>
             </a:r>
             <a:endParaRPr lang="en-US"/>
           </a:p>
@@ -4505,7 +4525,7 @@
           <a:p>
             <a:fld id="{18E341D7-FE3C-4133-BFCB-D03B8B9B2BF6}" type="datetimeFigureOut">
               <a:rPr lang="nl-NL" smtClean="0"/>
-              <a:t>16-1-2013</a:t>
+              <a:t>17-1-2013</a:t>
             </a:fld>
             <a:endParaRPr lang="nl-NL"/>
           </a:p>
@@ -4547,7 +4567,7 @@
           <a:p>
             <a:fld id="{E0EC6244-8606-4734-87C5-5B0956C0F268}" type="slidenum">
               <a:rPr lang="nl-NL" smtClean="0"/>
-              <a:t>‹nr.›</a:t>
+              <a:t>‹#›</a:t>
             </a:fld>
             <a:endParaRPr lang="nl-NL"/>
           </a:p>
@@ -4563,7 +4583,7 @@
 
 <file path=ppt/slideLayouts/slideLayout7.xml><?xml version="1.0" encoding="utf-8"?>
 <p:sldLayout xmlns:a="http://schemas.openxmlformats.org/drawingml/2006/main" xmlns:r="http://schemas.openxmlformats.org/officeDocument/2006/relationships" xmlns:p="http://schemas.openxmlformats.org/presentationml/2006/main" type="blank" preserve="1">
-  <p:cSld name="Leeg">
+  <p:cSld name="Blank">
     <p:spTree>
       <p:nvGrpSpPr>
         <p:cNvPr id="1" name=""/>
@@ -4595,7 +4615,7 @@
           <a:p>
             <a:fld id="{18E341D7-FE3C-4133-BFCB-D03B8B9B2BF6}" type="datetimeFigureOut">
               <a:rPr lang="nl-NL" smtClean="0"/>
-              <a:t>16-1-2013</a:t>
+              <a:t>17-1-2013</a:t>
             </a:fld>
             <a:endParaRPr lang="nl-NL"/>
           </a:p>
@@ -4637,7 +4657,7 @@
           <a:p>
             <a:fld id="{E0EC6244-8606-4734-87C5-5B0956C0F268}" type="slidenum">
               <a:rPr lang="nl-NL" smtClean="0"/>
-              <a:t>‹nr.›</a:t>
+              <a:t>‹#›</a:t>
             </a:fld>
             <a:endParaRPr lang="nl-NL"/>
           </a:p>
@@ -4653,7 +4673,7 @@
 
 <file path=ppt/slideLayouts/slideLayout8.xml><?xml version="1.0" encoding="utf-8"?>
 <p:sldLayout xmlns:a="http://schemas.openxmlformats.org/drawingml/2006/main" xmlns:r="http://schemas.openxmlformats.org/officeDocument/2006/relationships" xmlns:p="http://schemas.openxmlformats.org/presentationml/2006/main" showMasterSp="0" type="objTx" preserve="1">
-  <p:cSld name="Inhoud met bijschrift">
+  <p:cSld name="Content with Caption">
     <p:spTree>
       <p:nvGrpSpPr>
         <p:cNvPr id="1" name=""/>
@@ -7246,7 +7266,7 @@
           <a:p>
             <a:fld id="{18E341D7-FE3C-4133-BFCB-D03B8B9B2BF6}" type="datetimeFigureOut">
               <a:rPr lang="nl-NL" smtClean="0"/>
-              <a:t>16-1-2013</a:t>
+              <a:t>17-1-2013</a:t>
             </a:fld>
             <a:endParaRPr lang="nl-NL"/>
           </a:p>
@@ -7269,7 +7289,7 @@
           <a:p>
             <a:fld id="{E0EC6244-8606-4734-87C5-5B0956C0F268}" type="slidenum">
               <a:rPr lang="nl-NL" smtClean="0"/>
-              <a:t>‹nr.›</a:t>
+              <a:t>‹#›</a:t>
             </a:fld>
             <a:endParaRPr lang="nl-NL"/>
           </a:p>
@@ -7373,36 +7393,36 @@
           <a:p>
             <a:pPr lvl="0"/>
             <a:r>
-              <a:rPr lang="nl-NL" smtClean="0"/>
-              <a:t>Klik om de modelstijlen te bewerken</a:t>
+              <a:rPr lang="en-US" smtClean="0"/>
+              <a:t>Click to edit Master text styles</a:t>
             </a:r>
           </a:p>
           <a:p>
             <a:pPr lvl="1"/>
             <a:r>
-              <a:rPr lang="nl-NL" smtClean="0"/>
-              <a:t>Tweede niveau</a:t>
+              <a:rPr lang="en-US" smtClean="0"/>
+              <a:t>Second level</a:t>
             </a:r>
           </a:p>
           <a:p>
             <a:pPr lvl="2"/>
             <a:r>
-              <a:rPr lang="nl-NL" smtClean="0"/>
-              <a:t>Derde niveau</a:t>
+              <a:rPr lang="en-US" smtClean="0"/>
+              <a:t>Third level</a:t>
             </a:r>
           </a:p>
           <a:p>
             <a:pPr lvl="3"/>
             <a:r>
-              <a:rPr lang="nl-NL" smtClean="0"/>
-              <a:t>Vierde niveau</a:t>
+              <a:rPr lang="en-US" smtClean="0"/>
+              <a:t>Fourth level</a:t>
             </a:r>
           </a:p>
           <a:p>
             <a:pPr lvl="4"/>
             <a:r>
-              <a:rPr lang="nl-NL" smtClean="0"/>
-              <a:t>Vijfde niveau</a:t>
+              <a:rPr lang="en-US" smtClean="0"/>
+              <a:t>Fifth level</a:t>
             </a:r>
             <a:endParaRPr lang="en-US" dirty="0"/>
           </a:p>
@@ -7507,8 +7527,8 @@
           </a:lstStyle>
           <a:p>
             <a:r>
-              <a:rPr lang="nl-NL" smtClean="0"/>
-              <a:t>Klik om de stijl te bewerken</a:t>
+              <a:rPr lang="en-US" smtClean="0"/>
+              <a:t>Click to edit Master title style</a:t>
             </a:r>
             <a:endParaRPr lang="en-US"/>
           </a:p>
@@ -7579,8 +7599,8 @@
           <a:p>
             <a:pPr lvl="0"/>
             <a:r>
-              <a:rPr lang="nl-NL" smtClean="0"/>
-              <a:t>Klik om de modelstijlen te bewerken</a:t>
+              <a:rPr lang="en-US" smtClean="0"/>
+              <a:t>Click to edit Master text styles</a:t>
             </a:r>
           </a:p>
         </p:txBody>
@@ -7595,7 +7615,7 @@
 
 <file path=ppt/slideLayouts/slideLayout9.xml><?xml version="1.0" encoding="utf-8"?>
 <p:sldLayout xmlns:a="http://schemas.openxmlformats.org/drawingml/2006/main" xmlns:r="http://schemas.openxmlformats.org/officeDocument/2006/relationships" xmlns:p="http://schemas.openxmlformats.org/presentationml/2006/main" showMasterSp="0" type="picTx" preserve="1">
-  <p:cSld name="Afbeelding met bijschrift">
+  <p:cSld name="Picture with Caption">
     <p:spTree>
       <p:nvGrpSpPr>
         <p:cNvPr id="1" name=""/>
@@ -10294,8 +10314,8 @@
           </a:lstStyle>
           <a:p>
             <a:r>
-              <a:rPr lang="nl-NL" smtClean="0"/>
-              <a:t>Klik om de stijl te bewerken</a:t>
+              <a:rPr lang="en-US" smtClean="0"/>
+              <a:t>Click to edit Master title style</a:t>
             </a:r>
             <a:endParaRPr lang="en-US"/>
           </a:p>
@@ -10363,8 +10383,8 @@
           </a:lstStyle>
           <a:p>
             <a:r>
-              <a:rPr lang="nl-NL" smtClean="0"/>
-              <a:t>Klik op het pictogram als u een afbeelding wilt toevoegen</a:t>
+              <a:rPr lang="en-US" smtClean="0"/>
+              <a:t>Click icon to add picture</a:t>
             </a:r>
             <a:endParaRPr lang="en-US" dirty="0"/>
           </a:p>
@@ -10435,8 +10455,8 @@
           <a:p>
             <a:pPr lvl="0"/>
             <a:r>
-              <a:rPr lang="nl-NL" smtClean="0"/>
-              <a:t>Klik om de modelstijlen te bewerken</a:t>
+              <a:rPr lang="en-US" smtClean="0"/>
+              <a:t>Click to edit Master text styles</a:t>
             </a:r>
           </a:p>
         </p:txBody>
@@ -10458,7 +10478,7 @@
           <a:p>
             <a:fld id="{18E341D7-FE3C-4133-BFCB-D03B8B9B2BF6}" type="datetimeFigureOut">
               <a:rPr lang="nl-NL" smtClean="0"/>
-              <a:t>16-1-2013</a:t>
+              <a:t>17-1-2013</a:t>
             </a:fld>
             <a:endParaRPr lang="nl-NL"/>
           </a:p>
@@ -10507,7 +10527,7 @@
           <a:p>
             <a:fld id="{E0EC6244-8606-4734-87C5-5B0956C0F268}" type="slidenum">
               <a:rPr lang="nl-NL" smtClean="0"/>
-              <a:t>‹nr.›</a:t>
+              <a:t>‹#›</a:t>
             </a:fld>
             <a:endParaRPr lang="nl-NL"/>
           </a:p>
@@ -13178,8 +13198,8 @@
           <a:lstStyle/>
           <a:p>
             <a:r>
-              <a:rPr lang="nl-NL" smtClean="0"/>
-              <a:t>Klik om de stijl te bewerken</a:t>
+              <a:rPr lang="en-US" smtClean="0"/>
+              <a:t>Click to edit Master title style</a:t>
             </a:r>
             <a:endParaRPr lang="en-US" dirty="0"/>
           </a:p>
@@ -13212,36 +13232,36 @@
           <a:p>
             <a:pPr lvl="0"/>
             <a:r>
-              <a:rPr lang="nl-NL" smtClean="0"/>
-              <a:t>Klik om de modelstijlen te bewerken</a:t>
+              <a:rPr lang="en-US" smtClean="0"/>
+              <a:t>Click to edit Master text styles</a:t>
             </a:r>
           </a:p>
           <a:p>
             <a:pPr lvl="1"/>
             <a:r>
-              <a:rPr lang="nl-NL" smtClean="0"/>
-              <a:t>Tweede niveau</a:t>
+              <a:rPr lang="en-US" smtClean="0"/>
+              <a:t>Second level</a:t>
             </a:r>
           </a:p>
           <a:p>
             <a:pPr lvl="2"/>
             <a:r>
-              <a:rPr lang="nl-NL" smtClean="0"/>
-              <a:t>Derde niveau</a:t>
+              <a:rPr lang="en-US" smtClean="0"/>
+              <a:t>Third level</a:t>
             </a:r>
           </a:p>
           <a:p>
             <a:pPr lvl="3"/>
             <a:r>
-              <a:rPr lang="nl-NL" smtClean="0"/>
-              <a:t>Vierde niveau</a:t>
+              <a:rPr lang="en-US" smtClean="0"/>
+              <a:t>Fourth level</a:t>
             </a:r>
           </a:p>
           <a:p>
             <a:pPr lvl="4"/>
             <a:r>
-              <a:rPr lang="nl-NL" smtClean="0"/>
-              <a:t>Vijfde niveau</a:t>
+              <a:rPr lang="en-US" smtClean="0"/>
+              <a:t>Fifth level</a:t>
             </a:r>
             <a:endParaRPr lang="en-US" dirty="0"/>
           </a:p>
@@ -13280,7 +13300,7 @@
           <a:p>
             <a:fld id="{18E341D7-FE3C-4133-BFCB-D03B8B9B2BF6}" type="datetimeFigureOut">
               <a:rPr lang="nl-NL" smtClean="0"/>
-              <a:t>16-1-2013</a:t>
+              <a:t>17-1-2013</a:t>
             </a:fld>
             <a:endParaRPr lang="nl-NL"/>
           </a:p>
@@ -13354,7 +13374,7 @@
           <a:p>
             <a:fld id="{E0EC6244-8606-4734-87C5-5B0956C0F268}" type="slidenum">
               <a:rPr lang="nl-NL" smtClean="0"/>
-              <a:t>‹nr.›</a:t>
+              <a:t>‹#›</a:t>
             </a:fld>
             <a:endParaRPr lang="nl-NL"/>
           </a:p>
@@ -13364,17 +13384,17 @@
   </p:cSld>
   <p:clrMap bg1="lt1" tx1="dk1" bg2="lt2" tx2="dk2" accent1="accent1" accent2="accent2" accent3="accent3" accent4="accent4" accent5="accent5" accent6="accent6" hlink="hlink" folHlink="folHlink"/>
   <p:sldLayoutIdLst>
-    <p:sldLayoutId id="2147483661" r:id="rId1"/>
-    <p:sldLayoutId id="2147483662" r:id="rId2"/>
-    <p:sldLayoutId id="2147483663" r:id="rId3"/>
-    <p:sldLayoutId id="2147483664" r:id="rId4"/>
-    <p:sldLayoutId id="2147483665" r:id="rId5"/>
-    <p:sldLayoutId id="2147483666" r:id="rId6"/>
-    <p:sldLayoutId id="2147483667" r:id="rId7"/>
-    <p:sldLayoutId id="2147483668" r:id="rId8"/>
-    <p:sldLayoutId id="2147483669" r:id="rId9"/>
-    <p:sldLayoutId id="2147483670" r:id="rId10"/>
-    <p:sldLayoutId id="2147483671" r:id="rId11"/>
+    <p:sldLayoutId id="2147483685" r:id="rId1"/>
+    <p:sldLayoutId id="2147483686" r:id="rId2"/>
+    <p:sldLayoutId id="2147483687" r:id="rId3"/>
+    <p:sldLayoutId id="2147483688" r:id="rId4"/>
+    <p:sldLayoutId id="2147483689" r:id="rId5"/>
+    <p:sldLayoutId id="2147483690" r:id="rId6"/>
+    <p:sldLayoutId id="2147483691" r:id="rId7"/>
+    <p:sldLayoutId id="2147483692" r:id="rId8"/>
+    <p:sldLayoutId id="2147483693" r:id="rId9"/>
+    <p:sldLayoutId id="2147483694" r:id="rId10"/>
+    <p:sldLayoutId id="2147483695" r:id="rId11"/>
   </p:sldLayoutIdLst>
   <p:txStyles>
     <p:titleStyle>
@@ -13928,11 +13948,11 @@
   <p:clrMapOvr>
     <a:masterClrMapping/>
   </p:clrMapOvr>
-  <mc:AlternateContent xmlns:mc="http://schemas.openxmlformats.org/markup-compatibility/2006">
-    <mc:Choice xmlns:p14="http://schemas.microsoft.com/office/powerpoint/2010/main" Requires="p14">
+  <mc:AlternateContent xmlns:mc="http://schemas.openxmlformats.org/markup-compatibility/2006" xmlns:p14="http://schemas.microsoft.com/office/powerpoint/2010/main">
+    <mc:Choice Requires="p14">
       <p:transition p14:dur="0"/>
     </mc:Choice>
-    <mc:Fallback>
+    <mc:Fallback xmlns="">
       <p:transition/>
     </mc:Fallback>
   </mc:AlternateContent>
@@ -14170,6 +14190,45 @@
           </a:extLst>
         </p:spPr>
       </p:pic>
+      <p:sp>
+        <p:nvSpPr>
+          <p:cNvPr id="6" name="TextBox 5"/>
+          <p:cNvSpPr txBox="1"/>
+          <p:nvPr/>
+        </p:nvSpPr>
+        <p:spPr>
+          <a:xfrm>
+            <a:off x="6517583" y="188640"/>
+            <a:ext cx="1584176" cy="369332"/>
+          </a:xfrm>
+          <a:prstGeom prst="rect">
+            <a:avLst/>
+          </a:prstGeom>
+          <a:noFill/>
+        </p:spPr>
+        <p:txBody>
+          <a:bodyPr wrap="square" rtlCol="0">
+            <a:spAutoFit/>
+          </a:bodyPr>
+          <a:lstStyle/>
+          <a:p>
+            <a:pPr algn="r"/>
+            <a:r>
+              <a:rPr lang="nl-NL" dirty="0" smtClean="0">
+                <a:solidFill>
+                  <a:schemeClr val="bg1"/>
+                </a:solidFill>
+              </a:rPr>
+              <a:t>10/18</a:t>
+            </a:r>
+            <a:endParaRPr lang="nl-NL" dirty="0">
+              <a:solidFill>
+                <a:schemeClr val="bg1"/>
+              </a:solidFill>
+            </a:endParaRPr>
+          </a:p>
+        </p:txBody>
+      </p:sp>
     </p:spTree>
     <p:extLst>
       <p:ext uri="{BB962C8B-B14F-4D97-AF65-F5344CB8AC3E}">
@@ -14226,12 +14285,320 @@
           <a:p>
             <a:r>
               <a:rPr lang="en-US" sz="3200" dirty="0" smtClean="0"/>
-              <a:t>Demos</a:t>
+              <a:t>Demo’s – live </a:t>
+            </a:r>
+            <a:r>
+              <a:rPr lang="en-US" sz="3200" dirty="0" err="1" smtClean="0"/>
+              <a:t>voorbeeld</a:t>
+            </a:r>
+            <a:r>
+              <a:rPr lang="en-US" sz="3200" dirty="0" smtClean="0"/>
+              <a:t/>
             </a:r>
             <a:br>
               <a:rPr lang="en-US" sz="3200" dirty="0" smtClean="0"/>
             </a:br>
             <a:endParaRPr lang="nl-NL" sz="3200" dirty="0"/>
+          </a:p>
+        </p:txBody>
+      </p:sp>
+      <p:pic>
+        <p:nvPicPr>
+          <p:cNvPr id="4" name="Picture 2" descr="http://profielen.hr.nl/wp-content/uploads/tu_delft_logo.jpg"/>
+          <p:cNvPicPr>
+            <a:picLocks noChangeAspect="1" noChangeArrowheads="1"/>
+          </p:cNvPicPr>
+          <p:nvPr/>
+        </p:nvPicPr>
+        <p:blipFill>
+          <a:blip r:embed="rId3" cstate="print">
+            <a:extLst>
+              <a:ext uri="{28A0092B-C50C-407E-A947-70E740481C1C}">
+                <a14:useLocalDpi xmlns:a14="http://schemas.microsoft.com/office/drawing/2010/main" val="0"/>
+              </a:ext>
+            </a:extLst>
+          </a:blip>
+          <a:srcRect/>
+          <a:stretch>
+            <a:fillRect/>
+          </a:stretch>
+        </p:blipFill>
+        <p:spPr bwMode="auto">
+          <a:xfrm>
+            <a:off x="7164288" y="5822912"/>
+            <a:ext cx="1323653" cy="563401"/>
+          </a:xfrm>
+          <a:prstGeom prst="rect">
+            <a:avLst/>
+          </a:prstGeom>
+          <a:noFill/>
+          <a:extLst>
+            <a:ext uri="{909E8E84-426E-40DD-AFC4-6F175D3DCCD1}">
+              <a14:hiddenFill xmlns:a14="http://schemas.microsoft.com/office/drawing/2010/main">
+                <a:solidFill>
+                  <a:srgbClr val="FFFFFF"/>
+                </a:solidFill>
+              </a14:hiddenFill>
+            </a:ext>
+          </a:extLst>
+        </p:spPr>
+      </p:pic>
+      <p:pic>
+        <p:nvPicPr>
+          <p:cNvPr id="3" name="dcyf55NjyoQ?version=3&amp;hl=en_US&amp;rel=0"/>
+          <p:cNvPicPr>
+            <a:picLocks noRot="1" noChangeAspect="1"/>
+          </p:cNvPicPr>
+          <p:nvPr>
+            <a:videoFile r:link="rId1"/>
+          </p:nvPr>
+        </p:nvPicPr>
+        <p:blipFill>
+          <a:blip r:embed="rId4"/>
+          <a:stretch>
+            <a:fillRect/>
+          </a:stretch>
+        </p:blipFill>
+        <p:spPr>
+          <a:xfrm>
+            <a:off x="1965819" y="1844824"/>
+            <a:ext cx="5184576" cy="3888432"/>
+          </a:xfrm>
+          <a:prstGeom prst="rect">
+            <a:avLst/>
+          </a:prstGeom>
+        </p:spPr>
+      </p:pic>
+      <p:sp>
+        <p:nvSpPr>
+          <p:cNvPr id="5" name="TextBox 4"/>
+          <p:cNvSpPr txBox="1"/>
+          <p:nvPr/>
+        </p:nvSpPr>
+        <p:spPr>
+          <a:xfrm>
+            <a:off x="6517583" y="188640"/>
+            <a:ext cx="1584176" cy="369332"/>
+          </a:xfrm>
+          <a:prstGeom prst="rect">
+            <a:avLst/>
+          </a:prstGeom>
+          <a:noFill/>
+        </p:spPr>
+        <p:txBody>
+          <a:bodyPr wrap="square" rtlCol="0">
+            <a:spAutoFit/>
+          </a:bodyPr>
+          <a:lstStyle/>
+          <a:p>
+            <a:pPr algn="r"/>
+            <a:r>
+              <a:rPr lang="nl-NL" dirty="0" smtClean="0">
+                <a:solidFill>
+                  <a:schemeClr val="bg1"/>
+                </a:solidFill>
+              </a:rPr>
+              <a:t>11/18</a:t>
+            </a:r>
+            <a:endParaRPr lang="nl-NL" dirty="0">
+              <a:solidFill>
+                <a:schemeClr val="bg1"/>
+              </a:solidFill>
+            </a:endParaRPr>
+          </a:p>
+        </p:txBody>
+      </p:sp>
+    </p:spTree>
+    <p:extLst>
+      <p:ext uri="{BB962C8B-B14F-4D97-AF65-F5344CB8AC3E}">
+        <p14:creationId xmlns:p14="http://schemas.microsoft.com/office/powerpoint/2010/main" val="804714093"/>
+      </p:ext>
+    </p:extLst>
+  </p:cSld>
+  <p:clrMapOvr>
+    <a:masterClrMapping/>
+  </p:clrMapOvr>
+  <p:timing>
+    <p:tnLst>
+      <p:par>
+        <p:cTn id="1" dur="indefinite" restart="never" nodeType="tmRoot">
+          <p:childTnLst>
+            <p:seq concurrent="1" nextAc="seek">
+              <p:cTn id="2" dur="indefinite" nodeType="mainSeq">
+                <p:childTnLst>
+                  <p:par>
+                    <p:cTn id="3" fill="hold">
+                      <p:stCondLst>
+                        <p:cond delay="indefinite"/>
+                        <p:cond evt="onBegin" delay="0">
+                          <p:tn val="2"/>
+                        </p:cond>
+                      </p:stCondLst>
+                      <p:childTnLst>
+                        <p:par>
+                          <p:cTn id="4" fill="hold">
+                            <p:stCondLst>
+                              <p:cond delay="0"/>
+                            </p:stCondLst>
+                            <p:childTnLst>
+                              <p:par>
+                                <p:cTn id="5" presetID="1" presetClass="mediacall" presetSubtype="0" fill="hold" nodeType="afterEffect">
+                                  <p:stCondLst>
+                                    <p:cond delay="0"/>
+                                  </p:stCondLst>
+                                  <p:childTnLst>
+                                    <p:cmd type="call" cmd="playFrom(0.0)">
+                                      <p:cBhvr>
+                                        <p:cTn id="6" dur="1" fill="hold"/>
+                                        <p:tgtEl>
+                                          <p:spTgt spid="3"/>
+                                        </p:tgtEl>
+                                      </p:cBhvr>
+                                    </p:cmd>
+                                  </p:childTnLst>
+                                </p:cTn>
+                              </p:par>
+                            </p:childTnLst>
+                          </p:cTn>
+                        </p:par>
+                      </p:childTnLst>
+                    </p:cTn>
+                  </p:par>
+                </p:childTnLst>
+              </p:cTn>
+              <p:prevCondLst>
+                <p:cond evt="onPrev" delay="0">
+                  <p:tgtEl>
+                    <p:sldTgt/>
+                  </p:tgtEl>
+                </p:cond>
+              </p:prevCondLst>
+              <p:nextCondLst>
+                <p:cond evt="onNext" delay="0">
+                  <p:tgtEl>
+                    <p:sldTgt/>
+                  </p:tgtEl>
+                </p:cond>
+              </p:nextCondLst>
+            </p:seq>
+            <p:video>
+              <p:cMediaNode vol="80000">
+                <p:cTn id="7" fill="hold" display="0">
+                  <p:stCondLst>
+                    <p:cond delay="indefinite"/>
+                  </p:stCondLst>
+                </p:cTn>
+                <p:tgtEl>
+                  <p:spTgt spid="3"/>
+                </p:tgtEl>
+              </p:cMediaNode>
+            </p:video>
+          </p:childTnLst>
+        </p:cTn>
+      </p:par>
+    </p:tnLst>
+  </p:timing>
+</p:sld>
+</file>
+
+<file path=ppt/slides/slide12.xml><?xml version="1.0" encoding="utf-8"?>
+<p:sld xmlns:a="http://schemas.openxmlformats.org/drawingml/2006/main" xmlns:r="http://schemas.openxmlformats.org/officeDocument/2006/relationships" xmlns:p="http://schemas.openxmlformats.org/presentationml/2006/main">
+  <p:cSld>
+    <p:spTree>
+      <p:nvGrpSpPr>
+        <p:cNvPr id="1" name=""/>
+        <p:cNvGrpSpPr/>
+        <p:nvPr/>
+      </p:nvGrpSpPr>
+      <p:grpSpPr>
+        <a:xfrm>
+          <a:off x="0" y="0"/>
+          <a:ext cx="0" cy="0"/>
+          <a:chOff x="0" y="0"/>
+          <a:chExt cx="0" cy="0"/>
+        </a:xfrm>
+      </p:grpSpPr>
+      <p:sp>
+        <p:nvSpPr>
+          <p:cNvPr id="2" name="Title 1"/>
+          <p:cNvSpPr>
+            <a:spLocks noGrp="1"/>
+          </p:cNvSpPr>
+          <p:nvPr>
+            <p:ph type="title"/>
+          </p:nvPr>
+        </p:nvSpPr>
+        <p:spPr/>
+        <p:txBody>
+          <a:bodyPr/>
+          <a:lstStyle/>
+          <a:p>
+            <a:r>
+              <a:rPr lang="nl-NL" dirty="0" smtClean="0"/>
+              <a:t>Andere ideeën en fails</a:t>
+            </a:r>
+            <a:endParaRPr lang="nl-NL" dirty="0"/>
+          </a:p>
+        </p:txBody>
+      </p:sp>
+      <p:sp>
+        <p:nvSpPr>
+          <p:cNvPr id="3" name="Content Placeholder 2"/>
+          <p:cNvSpPr>
+            <a:spLocks noGrp="1"/>
+          </p:cNvSpPr>
+          <p:nvPr>
+            <p:ph idx="1"/>
+          </p:nvPr>
+        </p:nvSpPr>
+        <p:spPr/>
+        <p:txBody>
+          <a:bodyPr>
+            <a:normAutofit fontScale="92500" lnSpcReduction="10000"/>
+          </a:bodyPr>
+          <a:lstStyle/>
+          <a:p>
+            <a:r>
+              <a:rPr lang="nl-NL" dirty="0" smtClean="0"/>
+              <a:t>Skeletons</a:t>
+            </a:r>
+          </a:p>
+          <a:p>
+            <a:endParaRPr lang="nl-NL" dirty="0"/>
+          </a:p>
+          <a:p>
+            <a:r>
+              <a:rPr lang="nl-NL" dirty="0" smtClean="0"/>
+              <a:t>Tracking &amp; face recognition</a:t>
+            </a:r>
+          </a:p>
+          <a:p>
+            <a:endParaRPr lang="nl-NL" dirty="0" smtClean="0"/>
+          </a:p>
+          <a:p>
+            <a:r>
+              <a:rPr lang="nl-NL" dirty="0" smtClean="0"/>
+              <a:t>Lift-detectie (kleur)</a:t>
+            </a:r>
+          </a:p>
+          <a:p>
+            <a:endParaRPr lang="nl-NL" dirty="0" smtClean="0"/>
+          </a:p>
+          <a:p>
+            <a:r>
+              <a:rPr lang="nl-NL" dirty="0" smtClean="0"/>
+              <a:t>Normalisatie</a:t>
+            </a:r>
+          </a:p>
+          <a:p>
+            <a:endParaRPr lang="nl-NL" dirty="0" smtClean="0"/>
+          </a:p>
+          <a:p>
+            <a:r>
+              <a:rPr lang="nl-NL" dirty="0" smtClean="0"/>
+              <a:t>Persoons-segmentatie (achtergrond)</a:t>
+            </a:r>
+            <a:endParaRPr lang="nl-NL" dirty="0"/>
           </a:p>
         </p:txBody>
       </p:sp>
@@ -14276,10 +14643,1728 @@
           </a:extLst>
         </p:spPr>
       </p:pic>
+      <p:sp>
+        <p:nvSpPr>
+          <p:cNvPr id="5" name="TextBox 4"/>
+          <p:cNvSpPr txBox="1"/>
+          <p:nvPr/>
+        </p:nvSpPr>
+        <p:spPr>
+          <a:xfrm>
+            <a:off x="6517583" y="188640"/>
+            <a:ext cx="1584176" cy="369332"/>
+          </a:xfrm>
+          <a:prstGeom prst="rect">
+            <a:avLst/>
+          </a:prstGeom>
+          <a:noFill/>
+        </p:spPr>
+        <p:txBody>
+          <a:bodyPr wrap="square" rtlCol="0">
+            <a:spAutoFit/>
+          </a:bodyPr>
+          <a:lstStyle/>
+          <a:p>
+            <a:pPr algn="r"/>
+            <a:r>
+              <a:rPr lang="nl-NL" dirty="0" smtClean="0">
+                <a:solidFill>
+                  <a:schemeClr val="bg1"/>
+                </a:solidFill>
+              </a:rPr>
+              <a:t>12/18</a:t>
+            </a:r>
+            <a:endParaRPr lang="nl-NL" dirty="0">
+              <a:solidFill>
+                <a:schemeClr val="bg1"/>
+              </a:solidFill>
+            </a:endParaRPr>
+          </a:p>
+        </p:txBody>
+      </p:sp>
     </p:spTree>
     <p:extLst>
       <p:ext uri="{BB962C8B-B14F-4D97-AF65-F5344CB8AC3E}">
-        <p14:creationId xmlns:p14="http://schemas.microsoft.com/office/powerpoint/2010/main" val="804714093"/>
+        <p14:creationId xmlns:p14="http://schemas.microsoft.com/office/powerpoint/2010/main" val="3181176630"/>
+      </p:ext>
+    </p:extLst>
+  </p:cSld>
+  <p:clrMapOvr>
+    <a:masterClrMapping/>
+  </p:clrMapOvr>
+  <p:timing>
+    <p:tnLst>
+      <p:par>
+        <p:cTn id="1" dur="indefinite" restart="never" nodeType="tmRoot"/>
+      </p:par>
+    </p:tnLst>
+  </p:timing>
+</p:sld>
+</file>
+
+<file path=ppt/slides/slide13.xml><?xml version="1.0" encoding="utf-8"?>
+<p:sld xmlns:a="http://schemas.openxmlformats.org/drawingml/2006/main" xmlns:r="http://schemas.openxmlformats.org/officeDocument/2006/relationships" xmlns:p="http://schemas.openxmlformats.org/presentationml/2006/main">
+  <p:cSld>
+    <p:spTree>
+      <p:nvGrpSpPr>
+        <p:cNvPr id="1" name=""/>
+        <p:cNvGrpSpPr/>
+        <p:nvPr/>
+      </p:nvGrpSpPr>
+      <p:grpSpPr>
+        <a:xfrm>
+          <a:off x="0" y="0"/>
+          <a:ext cx="0" cy="0"/>
+          <a:chOff x="0" y="0"/>
+          <a:chExt cx="0" cy="0"/>
+        </a:xfrm>
+      </p:grpSpPr>
+      <p:sp>
+        <p:nvSpPr>
+          <p:cNvPr id="2" name="Title 1"/>
+          <p:cNvSpPr>
+            <a:spLocks noGrp="1"/>
+          </p:cNvSpPr>
+          <p:nvPr>
+            <p:ph type="title"/>
+          </p:nvPr>
+        </p:nvSpPr>
+        <p:spPr/>
+        <p:txBody>
+          <a:bodyPr/>
+          <a:lstStyle/>
+          <a:p>
+            <a:r>
+              <a:rPr lang="nl-NL" dirty="0" smtClean="0"/>
+              <a:t>Skeleton</a:t>
+            </a:r>
+            <a:endParaRPr lang="nl-NL" dirty="0"/>
+          </a:p>
+        </p:txBody>
+      </p:sp>
+      <p:sp>
+        <p:nvSpPr>
+          <p:cNvPr id="3" name="Content Placeholder 2"/>
+          <p:cNvSpPr>
+            <a:spLocks noGrp="1"/>
+          </p:cNvSpPr>
+          <p:nvPr>
+            <p:ph idx="1"/>
+          </p:nvPr>
+        </p:nvSpPr>
+        <p:spPr/>
+        <p:txBody>
+          <a:bodyPr/>
+          <a:lstStyle/>
+          <a:p>
+            <a:endParaRPr lang="nl-NL" dirty="0" smtClean="0"/>
+          </a:p>
+          <a:p>
+            <a:r>
+              <a:rPr lang="nl-NL" dirty="0" smtClean="0"/>
+              <a:t>Heel traag</a:t>
+            </a:r>
+          </a:p>
+          <a:p>
+            <a:endParaRPr lang="nl-NL" dirty="0"/>
+          </a:p>
+          <a:p>
+            <a:r>
+              <a:rPr lang="nl-NL" dirty="0" smtClean="0"/>
+              <a:t>Goede resultaten</a:t>
+            </a:r>
+          </a:p>
+          <a:p>
+            <a:endParaRPr lang="nl-NL" dirty="0"/>
+          </a:p>
+          <a:p>
+            <a:r>
+              <a:rPr lang="nl-NL" dirty="0" smtClean="0"/>
+              <a:t>Branchpoint en shrink</a:t>
+            </a:r>
+            <a:endParaRPr lang="nl-NL" dirty="0"/>
+          </a:p>
+        </p:txBody>
+      </p:sp>
+      <p:pic>
+        <p:nvPicPr>
+          <p:cNvPr id="4" name="Picture 2" descr="http://profielen.hr.nl/wp-content/uploads/tu_delft_logo.jpg"/>
+          <p:cNvPicPr>
+            <a:picLocks noChangeAspect="1" noChangeArrowheads="1"/>
+          </p:cNvPicPr>
+          <p:nvPr/>
+        </p:nvPicPr>
+        <p:blipFill>
+          <a:blip r:embed="rId2" cstate="print">
+            <a:extLst>
+              <a:ext uri="{28A0092B-C50C-407E-A947-70E740481C1C}">
+                <a14:useLocalDpi xmlns:a14="http://schemas.microsoft.com/office/drawing/2010/main" val="0"/>
+              </a:ext>
+            </a:extLst>
+          </a:blip>
+          <a:srcRect/>
+          <a:stretch>
+            <a:fillRect/>
+          </a:stretch>
+        </p:blipFill>
+        <p:spPr bwMode="auto">
+          <a:xfrm>
+            <a:off x="7164288" y="5822912"/>
+            <a:ext cx="1323653" cy="563401"/>
+          </a:xfrm>
+          <a:prstGeom prst="rect">
+            <a:avLst/>
+          </a:prstGeom>
+          <a:noFill/>
+          <a:extLst>
+            <a:ext uri="{909E8E84-426E-40DD-AFC4-6F175D3DCCD1}">
+              <a14:hiddenFill xmlns:a14="http://schemas.microsoft.com/office/drawing/2010/main">
+                <a:solidFill>
+                  <a:srgbClr val="FFFFFF"/>
+                </a:solidFill>
+              </a14:hiddenFill>
+            </a:ext>
+          </a:extLst>
+        </p:spPr>
+      </p:pic>
+      <p:sp>
+        <p:nvSpPr>
+          <p:cNvPr id="5" name="TextBox 4"/>
+          <p:cNvSpPr txBox="1"/>
+          <p:nvPr/>
+        </p:nvSpPr>
+        <p:spPr>
+          <a:xfrm>
+            <a:off x="6517583" y="188640"/>
+            <a:ext cx="1584176" cy="369332"/>
+          </a:xfrm>
+          <a:prstGeom prst="rect">
+            <a:avLst/>
+          </a:prstGeom>
+          <a:noFill/>
+        </p:spPr>
+        <p:txBody>
+          <a:bodyPr wrap="square" rtlCol="0">
+            <a:spAutoFit/>
+          </a:bodyPr>
+          <a:lstStyle/>
+          <a:p>
+            <a:pPr algn="r"/>
+            <a:r>
+              <a:rPr lang="nl-NL" dirty="0" smtClean="0">
+                <a:solidFill>
+                  <a:schemeClr val="bg1"/>
+                </a:solidFill>
+              </a:rPr>
+              <a:t>13/18</a:t>
+            </a:r>
+            <a:endParaRPr lang="nl-NL" dirty="0">
+              <a:solidFill>
+                <a:schemeClr val="bg1"/>
+              </a:solidFill>
+            </a:endParaRPr>
+          </a:p>
+        </p:txBody>
+      </p:sp>
+    </p:spTree>
+    <p:extLst>
+      <p:ext uri="{BB962C8B-B14F-4D97-AF65-F5344CB8AC3E}">
+        <p14:creationId xmlns:p14="http://schemas.microsoft.com/office/powerpoint/2010/main" val="180131884"/>
+      </p:ext>
+    </p:extLst>
+  </p:cSld>
+  <p:clrMapOvr>
+    <a:masterClrMapping/>
+  </p:clrMapOvr>
+  <p:timing>
+    <p:tnLst>
+      <p:par>
+        <p:cTn id="1" dur="indefinite" restart="never" nodeType="tmRoot"/>
+      </p:par>
+    </p:tnLst>
+  </p:timing>
+</p:sld>
+</file>
+
+<file path=ppt/slides/slide14.xml><?xml version="1.0" encoding="utf-8"?>
+<p:sld xmlns:a="http://schemas.openxmlformats.org/drawingml/2006/main" xmlns:r="http://schemas.openxmlformats.org/officeDocument/2006/relationships" xmlns:p="http://schemas.openxmlformats.org/presentationml/2006/main">
+  <p:cSld>
+    <p:spTree>
+      <p:nvGrpSpPr>
+        <p:cNvPr id="1" name=""/>
+        <p:cNvGrpSpPr/>
+        <p:nvPr/>
+      </p:nvGrpSpPr>
+      <p:grpSpPr>
+        <a:xfrm>
+          <a:off x="0" y="0"/>
+          <a:ext cx="0" cy="0"/>
+          <a:chOff x="0" y="0"/>
+          <a:chExt cx="0" cy="0"/>
+        </a:xfrm>
+      </p:grpSpPr>
+      <p:sp>
+        <p:nvSpPr>
+          <p:cNvPr id="2" name="Title 1"/>
+          <p:cNvSpPr>
+            <a:spLocks noGrp="1"/>
+          </p:cNvSpPr>
+          <p:nvPr>
+            <p:ph type="title"/>
+          </p:nvPr>
+        </p:nvSpPr>
+        <p:spPr/>
+        <p:txBody>
+          <a:bodyPr/>
+          <a:lstStyle/>
+          <a:p>
+            <a:r>
+              <a:rPr lang="nl-NL" dirty="0" smtClean="0"/>
+              <a:t>Tracking &amp; face recognition</a:t>
+            </a:r>
+            <a:endParaRPr lang="nl-NL" dirty="0"/>
+          </a:p>
+        </p:txBody>
+      </p:sp>
+      <p:sp>
+        <p:nvSpPr>
+          <p:cNvPr id="3" name="Content Placeholder 2"/>
+          <p:cNvSpPr>
+            <a:spLocks noGrp="1"/>
+          </p:cNvSpPr>
+          <p:nvPr>
+            <p:ph idx="1"/>
+          </p:nvPr>
+        </p:nvSpPr>
+        <p:spPr/>
+        <p:txBody>
+          <a:bodyPr/>
+          <a:lstStyle/>
+          <a:p>
+            <a:endParaRPr lang="nl-NL" dirty="0" smtClean="0"/>
+          </a:p>
+          <a:p>
+            <a:r>
+              <a:rPr lang="nl-NL" dirty="0" smtClean="0"/>
+              <a:t>Ook traag</a:t>
+            </a:r>
+          </a:p>
+          <a:p>
+            <a:endParaRPr lang="nl-NL" dirty="0"/>
+          </a:p>
+          <a:p>
+            <a:r>
+              <a:rPr lang="nl-NL" dirty="0" smtClean="0"/>
+              <a:t>Achterhoofd</a:t>
+            </a:r>
+          </a:p>
+          <a:p>
+            <a:endParaRPr lang="nl-NL" dirty="0"/>
+          </a:p>
+          <a:p>
+            <a:r>
+              <a:rPr lang="nl-NL" dirty="0" smtClean="0"/>
+              <a:t>Moeilijk implementeerbaar</a:t>
+            </a:r>
+            <a:endParaRPr lang="nl-NL" dirty="0"/>
+          </a:p>
+        </p:txBody>
+      </p:sp>
+      <p:pic>
+        <p:nvPicPr>
+          <p:cNvPr id="4" name="Picture 2" descr="http://profielen.hr.nl/wp-content/uploads/tu_delft_logo.jpg"/>
+          <p:cNvPicPr>
+            <a:picLocks noChangeAspect="1" noChangeArrowheads="1"/>
+          </p:cNvPicPr>
+          <p:nvPr/>
+        </p:nvPicPr>
+        <p:blipFill>
+          <a:blip r:embed="rId2" cstate="print">
+            <a:extLst>
+              <a:ext uri="{28A0092B-C50C-407E-A947-70E740481C1C}">
+                <a14:useLocalDpi xmlns:a14="http://schemas.microsoft.com/office/drawing/2010/main" val="0"/>
+              </a:ext>
+            </a:extLst>
+          </a:blip>
+          <a:srcRect/>
+          <a:stretch>
+            <a:fillRect/>
+          </a:stretch>
+        </p:blipFill>
+        <p:spPr bwMode="auto">
+          <a:xfrm>
+            <a:off x="7164288" y="5822912"/>
+            <a:ext cx="1323653" cy="563401"/>
+          </a:xfrm>
+          <a:prstGeom prst="rect">
+            <a:avLst/>
+          </a:prstGeom>
+          <a:noFill/>
+          <a:extLst>
+            <a:ext uri="{909E8E84-426E-40DD-AFC4-6F175D3DCCD1}">
+              <a14:hiddenFill xmlns:a14="http://schemas.microsoft.com/office/drawing/2010/main">
+                <a:solidFill>
+                  <a:srgbClr val="FFFFFF"/>
+                </a:solidFill>
+              </a14:hiddenFill>
+            </a:ext>
+          </a:extLst>
+        </p:spPr>
+      </p:pic>
+      <p:sp>
+        <p:nvSpPr>
+          <p:cNvPr id="5" name="TextBox 4"/>
+          <p:cNvSpPr txBox="1"/>
+          <p:nvPr/>
+        </p:nvSpPr>
+        <p:spPr>
+          <a:xfrm>
+            <a:off x="6517583" y="188640"/>
+            <a:ext cx="1584176" cy="369332"/>
+          </a:xfrm>
+          <a:prstGeom prst="rect">
+            <a:avLst/>
+          </a:prstGeom>
+          <a:noFill/>
+        </p:spPr>
+        <p:txBody>
+          <a:bodyPr wrap="square" rtlCol="0">
+            <a:spAutoFit/>
+          </a:bodyPr>
+          <a:lstStyle/>
+          <a:p>
+            <a:pPr algn="r"/>
+            <a:r>
+              <a:rPr lang="nl-NL" dirty="0" smtClean="0">
+                <a:solidFill>
+                  <a:schemeClr val="bg1"/>
+                </a:solidFill>
+              </a:rPr>
+              <a:t>14/18</a:t>
+            </a:r>
+            <a:endParaRPr lang="nl-NL" dirty="0">
+              <a:solidFill>
+                <a:schemeClr val="bg1"/>
+              </a:solidFill>
+            </a:endParaRPr>
+          </a:p>
+        </p:txBody>
+      </p:sp>
+    </p:spTree>
+    <p:extLst>
+      <p:ext uri="{BB962C8B-B14F-4D97-AF65-F5344CB8AC3E}">
+        <p14:creationId xmlns:p14="http://schemas.microsoft.com/office/powerpoint/2010/main" val="972112404"/>
+      </p:ext>
+    </p:extLst>
+  </p:cSld>
+  <p:clrMapOvr>
+    <a:masterClrMapping/>
+  </p:clrMapOvr>
+  <p:timing>
+    <p:tnLst>
+      <p:par>
+        <p:cTn id="1" dur="indefinite" restart="never" nodeType="tmRoot"/>
+      </p:par>
+    </p:tnLst>
+  </p:timing>
+</p:sld>
+</file>
+
+<file path=ppt/slides/slide15.xml><?xml version="1.0" encoding="utf-8"?>
+<p:sld xmlns:a="http://schemas.openxmlformats.org/drawingml/2006/main" xmlns:r="http://schemas.openxmlformats.org/officeDocument/2006/relationships" xmlns:p="http://schemas.openxmlformats.org/presentationml/2006/main">
+  <p:cSld>
+    <p:spTree>
+      <p:nvGrpSpPr>
+        <p:cNvPr id="1" name=""/>
+        <p:cNvGrpSpPr/>
+        <p:nvPr/>
+      </p:nvGrpSpPr>
+      <p:grpSpPr>
+        <a:xfrm>
+          <a:off x="0" y="0"/>
+          <a:ext cx="0" cy="0"/>
+          <a:chOff x="0" y="0"/>
+          <a:chExt cx="0" cy="0"/>
+        </a:xfrm>
+      </p:grpSpPr>
+      <p:sp>
+        <p:nvSpPr>
+          <p:cNvPr id="2" name="Title 1"/>
+          <p:cNvSpPr>
+            <a:spLocks noGrp="1"/>
+          </p:cNvSpPr>
+          <p:nvPr>
+            <p:ph type="title"/>
+          </p:nvPr>
+        </p:nvSpPr>
+        <p:spPr/>
+        <p:txBody>
+          <a:bodyPr/>
+          <a:lstStyle/>
+          <a:p>
+            <a:r>
+              <a:rPr lang="nl-NL" dirty="0" smtClean="0"/>
+              <a:t>Lift-detectie (kleur)</a:t>
+            </a:r>
+            <a:endParaRPr lang="nl-NL" dirty="0"/>
+          </a:p>
+        </p:txBody>
+      </p:sp>
+      <p:sp>
+        <p:nvSpPr>
+          <p:cNvPr id="3" name="Content Placeholder 2"/>
+          <p:cNvSpPr>
+            <a:spLocks noGrp="1"/>
+          </p:cNvSpPr>
+          <p:nvPr>
+            <p:ph idx="1"/>
+          </p:nvPr>
+        </p:nvSpPr>
+        <p:spPr/>
+        <p:txBody>
+          <a:bodyPr/>
+          <a:lstStyle/>
+          <a:p>
+            <a:r>
+              <a:rPr lang="nl-NL" dirty="0" smtClean="0"/>
+              <a:t>Kleuren veranderen</a:t>
+            </a:r>
+          </a:p>
+          <a:p>
+            <a:r>
+              <a:rPr lang="nl-NL" dirty="0" smtClean="0"/>
+              <a:t>Te kleine boundingbox</a:t>
+            </a:r>
+            <a:endParaRPr lang="nl-NL" dirty="0"/>
+          </a:p>
+        </p:txBody>
+      </p:sp>
+      <p:pic>
+        <p:nvPicPr>
+          <p:cNvPr id="4" name="Picture 4"/>
+          <p:cNvPicPr>
+            <a:picLocks noChangeAspect="1" noChangeArrowheads="1"/>
+          </p:cNvPicPr>
+          <p:nvPr/>
+        </p:nvPicPr>
+        <p:blipFill>
+          <a:blip r:embed="rId2">
+            <a:extLst>
+              <a:ext uri="{28A0092B-C50C-407E-A947-70E740481C1C}">
+                <a14:useLocalDpi xmlns:a14="http://schemas.microsoft.com/office/drawing/2010/main" val="0"/>
+              </a:ext>
+            </a:extLst>
+          </a:blip>
+          <a:srcRect/>
+          <a:stretch>
+            <a:fillRect/>
+          </a:stretch>
+        </p:blipFill>
+        <p:spPr bwMode="auto">
+          <a:xfrm>
+            <a:off x="3099265" y="3501009"/>
+            <a:ext cx="1585594" cy="1268475"/>
+          </a:xfrm>
+          <a:prstGeom prst="rect">
+            <a:avLst/>
+          </a:prstGeom>
+          <a:noFill/>
+          <a:ln>
+            <a:noFill/>
+          </a:ln>
+          <a:effectLst/>
+          <a:extLst>
+            <a:ext uri="{909E8E84-426E-40DD-AFC4-6F175D3DCCD1}">
+              <a14:hiddenFill xmlns:a14="http://schemas.microsoft.com/office/drawing/2010/main">
+                <a:solidFill>
+                  <a:schemeClr val="accent1"/>
+                </a:solidFill>
+              </a14:hiddenFill>
+            </a:ext>
+            <a:ext uri="{91240B29-F687-4F45-9708-019B960494DF}">
+              <a14:hiddenLine xmlns:a14="http://schemas.microsoft.com/office/drawing/2010/main" w="9525">
+                <a:solidFill>
+                  <a:schemeClr val="tx1"/>
+                </a:solidFill>
+                <a:miter lim="800000"/>
+                <a:headEnd/>
+                <a:tailEnd/>
+              </a14:hiddenLine>
+            </a:ext>
+            <a:ext uri="{AF507438-7753-43E0-B8FC-AC1667EBCBE1}">
+              <a14:hiddenEffects xmlns:a14="http://schemas.microsoft.com/office/drawing/2010/main">
+                <a:effectLst>
+                  <a:outerShdw dist="35921" dir="2700000" algn="ctr" rotWithShape="0">
+                    <a:schemeClr val="bg2"/>
+                  </a:outerShdw>
+                </a:effectLst>
+              </a14:hiddenEffects>
+            </a:ext>
+          </a:extLst>
+        </p:spPr>
+      </p:pic>
+      <p:pic>
+        <p:nvPicPr>
+          <p:cNvPr id="5" name="Picture 5"/>
+          <p:cNvPicPr>
+            <a:picLocks noChangeAspect="1" noChangeArrowheads="1"/>
+          </p:cNvPicPr>
+          <p:nvPr/>
+        </p:nvPicPr>
+        <p:blipFill>
+          <a:blip r:embed="rId3">
+            <a:extLst>
+              <a:ext uri="{28A0092B-C50C-407E-A947-70E740481C1C}">
+                <a14:useLocalDpi xmlns:a14="http://schemas.microsoft.com/office/drawing/2010/main" val="0"/>
+              </a:ext>
+            </a:extLst>
+          </a:blip>
+          <a:srcRect/>
+          <a:stretch>
+            <a:fillRect/>
+          </a:stretch>
+        </p:blipFill>
+        <p:spPr bwMode="auto">
+          <a:xfrm>
+            <a:off x="4716016" y="3501008"/>
+            <a:ext cx="1585594" cy="1268475"/>
+          </a:xfrm>
+          <a:prstGeom prst="rect">
+            <a:avLst/>
+          </a:prstGeom>
+          <a:noFill/>
+          <a:ln>
+            <a:noFill/>
+          </a:ln>
+          <a:effectLst/>
+          <a:extLst>
+            <a:ext uri="{909E8E84-426E-40DD-AFC4-6F175D3DCCD1}">
+              <a14:hiddenFill xmlns:a14="http://schemas.microsoft.com/office/drawing/2010/main">
+                <a:solidFill>
+                  <a:schemeClr val="accent1"/>
+                </a:solidFill>
+              </a14:hiddenFill>
+            </a:ext>
+            <a:ext uri="{91240B29-F687-4F45-9708-019B960494DF}">
+              <a14:hiddenLine xmlns:a14="http://schemas.microsoft.com/office/drawing/2010/main" w="9525">
+                <a:solidFill>
+                  <a:schemeClr val="tx1"/>
+                </a:solidFill>
+                <a:miter lim="800000"/>
+                <a:headEnd/>
+                <a:tailEnd/>
+              </a14:hiddenLine>
+            </a:ext>
+            <a:ext uri="{AF507438-7753-43E0-B8FC-AC1667EBCBE1}">
+              <a14:hiddenEffects xmlns:a14="http://schemas.microsoft.com/office/drawing/2010/main">
+                <a:effectLst>
+                  <a:outerShdw dist="35921" dir="2700000" algn="ctr" rotWithShape="0">
+                    <a:schemeClr val="bg2"/>
+                  </a:outerShdw>
+                </a:effectLst>
+              </a14:hiddenEffects>
+            </a:ext>
+          </a:extLst>
+        </p:spPr>
+      </p:pic>
+      <p:pic>
+        <p:nvPicPr>
+          <p:cNvPr id="6" name="Afbeelding 2"/>
+          <p:cNvPicPr/>
+          <p:nvPr/>
+        </p:nvPicPr>
+        <p:blipFill>
+          <a:blip r:embed="rId4" cstate="print">
+            <a:extLst>
+              <a:ext uri="{28A0092B-C50C-407E-A947-70E740481C1C}">
+                <a14:useLocalDpi xmlns:a14="http://schemas.microsoft.com/office/drawing/2010/main" val="0"/>
+              </a:ext>
+            </a:extLst>
+          </a:blip>
+          <a:stretch>
+            <a:fillRect/>
+          </a:stretch>
+        </p:blipFill>
+        <p:spPr>
+          <a:xfrm>
+            <a:off x="3078201" y="4769481"/>
+            <a:ext cx="1606658" cy="1251805"/>
+          </a:xfrm>
+          <a:prstGeom prst="rect">
+            <a:avLst/>
+          </a:prstGeom>
+        </p:spPr>
+      </p:pic>
+      <p:pic>
+        <p:nvPicPr>
+          <p:cNvPr id="7" name="Afbeelding 9"/>
+          <p:cNvPicPr/>
+          <p:nvPr/>
+        </p:nvPicPr>
+        <p:blipFill>
+          <a:blip r:embed="rId5" cstate="print">
+            <a:extLst>
+              <a:ext uri="{28A0092B-C50C-407E-A947-70E740481C1C}">
+                <a14:useLocalDpi xmlns:a14="http://schemas.microsoft.com/office/drawing/2010/main" val="0"/>
+              </a:ext>
+            </a:extLst>
+          </a:blip>
+          <a:srcRect/>
+          <a:stretch>
+            <a:fillRect/>
+          </a:stretch>
+        </p:blipFill>
+        <p:spPr bwMode="auto">
+          <a:xfrm>
+            <a:off x="4716017" y="4769482"/>
+            <a:ext cx="1585594" cy="1251805"/>
+          </a:xfrm>
+          <a:prstGeom prst="rect">
+            <a:avLst/>
+          </a:prstGeom>
+          <a:noFill/>
+          <a:ln>
+            <a:noFill/>
+          </a:ln>
+        </p:spPr>
+      </p:pic>
+      <p:pic>
+        <p:nvPicPr>
+          <p:cNvPr id="8" name="Picture 2" descr="http://profielen.hr.nl/wp-content/uploads/tu_delft_logo.jpg"/>
+          <p:cNvPicPr>
+            <a:picLocks noChangeAspect="1" noChangeArrowheads="1"/>
+          </p:cNvPicPr>
+          <p:nvPr/>
+        </p:nvPicPr>
+        <p:blipFill>
+          <a:blip r:embed="rId6" cstate="print">
+            <a:extLst>
+              <a:ext uri="{28A0092B-C50C-407E-A947-70E740481C1C}">
+                <a14:useLocalDpi xmlns:a14="http://schemas.microsoft.com/office/drawing/2010/main" val="0"/>
+              </a:ext>
+            </a:extLst>
+          </a:blip>
+          <a:srcRect/>
+          <a:stretch>
+            <a:fillRect/>
+          </a:stretch>
+        </p:blipFill>
+        <p:spPr bwMode="auto">
+          <a:xfrm>
+            <a:off x="7164288" y="5822912"/>
+            <a:ext cx="1323653" cy="563401"/>
+          </a:xfrm>
+          <a:prstGeom prst="rect">
+            <a:avLst/>
+          </a:prstGeom>
+          <a:noFill/>
+          <a:extLst>
+            <a:ext uri="{909E8E84-426E-40DD-AFC4-6F175D3DCCD1}">
+              <a14:hiddenFill xmlns:a14="http://schemas.microsoft.com/office/drawing/2010/main">
+                <a:solidFill>
+                  <a:srgbClr val="FFFFFF"/>
+                </a:solidFill>
+              </a14:hiddenFill>
+            </a:ext>
+          </a:extLst>
+        </p:spPr>
+      </p:pic>
+      <p:sp>
+        <p:nvSpPr>
+          <p:cNvPr id="9" name="TextBox 8"/>
+          <p:cNvSpPr txBox="1"/>
+          <p:nvPr/>
+        </p:nvSpPr>
+        <p:spPr>
+          <a:xfrm>
+            <a:off x="6517583" y="188640"/>
+            <a:ext cx="1584176" cy="369332"/>
+          </a:xfrm>
+          <a:prstGeom prst="rect">
+            <a:avLst/>
+          </a:prstGeom>
+          <a:noFill/>
+        </p:spPr>
+        <p:txBody>
+          <a:bodyPr wrap="square" rtlCol="0">
+            <a:spAutoFit/>
+          </a:bodyPr>
+          <a:lstStyle/>
+          <a:p>
+            <a:pPr algn="r"/>
+            <a:r>
+              <a:rPr lang="nl-NL" dirty="0" smtClean="0">
+                <a:solidFill>
+                  <a:schemeClr val="bg1"/>
+                </a:solidFill>
+              </a:rPr>
+              <a:t>15/18</a:t>
+            </a:r>
+            <a:endParaRPr lang="nl-NL" dirty="0">
+              <a:solidFill>
+                <a:schemeClr val="bg1"/>
+              </a:solidFill>
+            </a:endParaRPr>
+          </a:p>
+        </p:txBody>
+      </p:sp>
+    </p:spTree>
+    <p:extLst>
+      <p:ext uri="{BB962C8B-B14F-4D97-AF65-F5344CB8AC3E}">
+        <p14:creationId xmlns:p14="http://schemas.microsoft.com/office/powerpoint/2010/main" val="2131444806"/>
+      </p:ext>
+    </p:extLst>
+  </p:cSld>
+  <p:clrMapOvr>
+    <a:masterClrMapping/>
+  </p:clrMapOvr>
+  <p:timing>
+    <p:tnLst>
+      <p:par>
+        <p:cTn id="1" dur="indefinite" restart="never" nodeType="tmRoot">
+          <p:childTnLst>
+            <p:seq concurrent="1" nextAc="seek">
+              <p:cTn id="2" dur="indefinite" nodeType="mainSeq">
+                <p:childTnLst>
+                  <p:par>
+                    <p:cTn id="3" fill="hold">
+                      <p:stCondLst>
+                        <p:cond delay="indefinite"/>
+                      </p:stCondLst>
+                      <p:childTnLst>
+                        <p:par>
+                          <p:cTn id="4" fill="hold">
+                            <p:stCondLst>
+                              <p:cond delay="0"/>
+                            </p:stCondLst>
+                            <p:childTnLst>
+                              <p:par>
+                                <p:cTn id="5" presetID="10" presetClass="entr" presetSubtype="0" fill="hold" nodeType="clickEffect">
+                                  <p:stCondLst>
+                                    <p:cond delay="0"/>
+                                  </p:stCondLst>
+                                  <p:childTnLst>
+                                    <p:set>
+                                      <p:cBhvr>
+                                        <p:cTn id="6" dur="1" fill="hold">
+                                          <p:stCondLst>
+                                            <p:cond delay="0"/>
+                                          </p:stCondLst>
+                                        </p:cTn>
+                                        <p:tgtEl>
+                                          <p:spTgt spid="4"/>
+                                        </p:tgtEl>
+                                        <p:attrNameLst>
+                                          <p:attrName>style.visibility</p:attrName>
+                                        </p:attrNameLst>
+                                      </p:cBhvr>
+                                      <p:to>
+                                        <p:strVal val="visible"/>
+                                      </p:to>
+                                    </p:set>
+                                    <p:animEffect transition="in" filter="fade">
+                                      <p:cBhvr>
+                                        <p:cTn id="7" dur="500"/>
+                                        <p:tgtEl>
+                                          <p:spTgt spid="4"/>
+                                        </p:tgtEl>
+                                      </p:cBhvr>
+                                    </p:animEffect>
+                                  </p:childTnLst>
+                                </p:cTn>
+                              </p:par>
+                              <p:par>
+                                <p:cTn id="8" presetID="10" presetClass="entr" presetSubtype="0" fill="hold" nodeType="withEffect">
+                                  <p:stCondLst>
+                                    <p:cond delay="0"/>
+                                  </p:stCondLst>
+                                  <p:childTnLst>
+                                    <p:set>
+                                      <p:cBhvr>
+                                        <p:cTn id="9" dur="1" fill="hold">
+                                          <p:stCondLst>
+                                            <p:cond delay="0"/>
+                                          </p:stCondLst>
+                                        </p:cTn>
+                                        <p:tgtEl>
+                                          <p:spTgt spid="5"/>
+                                        </p:tgtEl>
+                                        <p:attrNameLst>
+                                          <p:attrName>style.visibility</p:attrName>
+                                        </p:attrNameLst>
+                                      </p:cBhvr>
+                                      <p:to>
+                                        <p:strVal val="visible"/>
+                                      </p:to>
+                                    </p:set>
+                                    <p:animEffect transition="in" filter="fade">
+                                      <p:cBhvr>
+                                        <p:cTn id="10" dur="500"/>
+                                        <p:tgtEl>
+                                          <p:spTgt spid="5"/>
+                                        </p:tgtEl>
+                                      </p:cBhvr>
+                                    </p:animEffect>
+                                  </p:childTnLst>
+                                </p:cTn>
+                              </p:par>
+                            </p:childTnLst>
+                          </p:cTn>
+                        </p:par>
+                      </p:childTnLst>
+                    </p:cTn>
+                  </p:par>
+                  <p:par>
+                    <p:cTn id="11" fill="hold">
+                      <p:stCondLst>
+                        <p:cond delay="indefinite"/>
+                      </p:stCondLst>
+                      <p:childTnLst>
+                        <p:par>
+                          <p:cTn id="12" fill="hold">
+                            <p:stCondLst>
+                              <p:cond delay="0"/>
+                            </p:stCondLst>
+                            <p:childTnLst>
+                              <p:par>
+                                <p:cTn id="13" presetID="10" presetClass="entr" presetSubtype="0" fill="hold" nodeType="clickEffect">
+                                  <p:stCondLst>
+                                    <p:cond delay="0"/>
+                                  </p:stCondLst>
+                                  <p:childTnLst>
+                                    <p:set>
+                                      <p:cBhvr>
+                                        <p:cTn id="14" dur="1" fill="hold">
+                                          <p:stCondLst>
+                                            <p:cond delay="0"/>
+                                          </p:stCondLst>
+                                        </p:cTn>
+                                        <p:tgtEl>
+                                          <p:spTgt spid="6"/>
+                                        </p:tgtEl>
+                                        <p:attrNameLst>
+                                          <p:attrName>style.visibility</p:attrName>
+                                        </p:attrNameLst>
+                                      </p:cBhvr>
+                                      <p:to>
+                                        <p:strVal val="visible"/>
+                                      </p:to>
+                                    </p:set>
+                                    <p:animEffect transition="in" filter="fade">
+                                      <p:cBhvr>
+                                        <p:cTn id="15" dur="500"/>
+                                        <p:tgtEl>
+                                          <p:spTgt spid="6"/>
+                                        </p:tgtEl>
+                                      </p:cBhvr>
+                                    </p:animEffect>
+                                  </p:childTnLst>
+                                </p:cTn>
+                              </p:par>
+                              <p:par>
+                                <p:cTn id="16" presetID="10" presetClass="entr" presetSubtype="0" fill="hold" nodeType="withEffect">
+                                  <p:stCondLst>
+                                    <p:cond delay="0"/>
+                                  </p:stCondLst>
+                                  <p:childTnLst>
+                                    <p:set>
+                                      <p:cBhvr>
+                                        <p:cTn id="17" dur="1" fill="hold">
+                                          <p:stCondLst>
+                                            <p:cond delay="0"/>
+                                          </p:stCondLst>
+                                        </p:cTn>
+                                        <p:tgtEl>
+                                          <p:spTgt spid="7"/>
+                                        </p:tgtEl>
+                                        <p:attrNameLst>
+                                          <p:attrName>style.visibility</p:attrName>
+                                        </p:attrNameLst>
+                                      </p:cBhvr>
+                                      <p:to>
+                                        <p:strVal val="visible"/>
+                                      </p:to>
+                                    </p:set>
+                                    <p:animEffect transition="in" filter="fade">
+                                      <p:cBhvr>
+                                        <p:cTn id="18" dur="500"/>
+                                        <p:tgtEl>
+                                          <p:spTgt spid="7"/>
+                                        </p:tgtEl>
+                                      </p:cBhvr>
+                                    </p:animEffect>
+                                  </p:childTnLst>
+                                </p:cTn>
+                              </p:par>
+                            </p:childTnLst>
+                          </p:cTn>
+                        </p:par>
+                      </p:childTnLst>
+                    </p:cTn>
+                  </p:par>
+                </p:childTnLst>
+              </p:cTn>
+              <p:prevCondLst>
+                <p:cond evt="onPrev" delay="0">
+                  <p:tgtEl>
+                    <p:sldTgt/>
+                  </p:tgtEl>
+                </p:cond>
+              </p:prevCondLst>
+              <p:nextCondLst>
+                <p:cond evt="onNext" delay="0">
+                  <p:tgtEl>
+                    <p:sldTgt/>
+                  </p:tgtEl>
+                </p:cond>
+              </p:nextCondLst>
+            </p:seq>
+          </p:childTnLst>
+        </p:cTn>
+      </p:par>
+    </p:tnLst>
+  </p:timing>
+</p:sld>
+</file>
+
+<file path=ppt/slides/slide16.xml><?xml version="1.0" encoding="utf-8"?>
+<p:sld xmlns:a="http://schemas.openxmlformats.org/drawingml/2006/main" xmlns:r="http://schemas.openxmlformats.org/officeDocument/2006/relationships" xmlns:p="http://schemas.openxmlformats.org/presentationml/2006/main">
+  <p:cSld>
+    <p:spTree>
+      <p:nvGrpSpPr>
+        <p:cNvPr id="1" name=""/>
+        <p:cNvGrpSpPr/>
+        <p:nvPr/>
+      </p:nvGrpSpPr>
+      <p:grpSpPr>
+        <a:xfrm>
+          <a:off x="0" y="0"/>
+          <a:ext cx="0" cy="0"/>
+          <a:chOff x="0" y="0"/>
+          <a:chExt cx="0" cy="0"/>
+        </a:xfrm>
+      </p:grpSpPr>
+      <p:sp>
+        <p:nvSpPr>
+          <p:cNvPr id="2" name="Title 1"/>
+          <p:cNvSpPr>
+            <a:spLocks noGrp="1"/>
+          </p:cNvSpPr>
+          <p:nvPr>
+            <p:ph type="title"/>
+          </p:nvPr>
+        </p:nvSpPr>
+        <p:spPr/>
+        <p:txBody>
+          <a:bodyPr/>
+          <a:lstStyle/>
+          <a:p>
+            <a:r>
+              <a:rPr lang="nl-NL" dirty="0" smtClean="0"/>
+              <a:t>Fail: normalisatie</a:t>
+            </a:r>
+            <a:endParaRPr lang="nl-NL" dirty="0"/>
+          </a:p>
+        </p:txBody>
+      </p:sp>
+      <p:sp>
+        <p:nvSpPr>
+          <p:cNvPr id="3" name="Content Placeholder 2"/>
+          <p:cNvSpPr>
+            <a:spLocks noGrp="1"/>
+          </p:cNvSpPr>
+          <p:nvPr>
+            <p:ph idx="1"/>
+          </p:nvPr>
+        </p:nvSpPr>
+        <p:spPr/>
+        <p:txBody>
+          <a:bodyPr/>
+          <a:lstStyle/>
+          <a:p>
+            <a:r>
+              <a:rPr lang="nl-NL" dirty="0" smtClean="0"/>
+              <a:t>Gemiddelde moeilijk stabiel te houden</a:t>
+            </a:r>
+          </a:p>
+          <a:p>
+            <a:endParaRPr lang="nl-NL" dirty="0"/>
+          </a:p>
+          <a:p>
+            <a:r>
+              <a:rPr lang="nl-NL" dirty="0" smtClean="0"/>
+              <a:t>Traag</a:t>
+            </a:r>
+          </a:p>
+          <a:p>
+            <a:endParaRPr lang="nl-NL" dirty="0"/>
+          </a:p>
+          <a:p>
+            <a:r>
+              <a:rPr lang="nl-NL" dirty="0" smtClean="0"/>
+              <a:t>Drivers beter</a:t>
+            </a:r>
+          </a:p>
+          <a:p>
+            <a:pPr lvl="2"/>
+            <a:r>
+              <a:rPr lang="nl-NL" dirty="0" smtClean="0"/>
+              <a:t>Automatische wit- en lichtbalans uit </a:t>
+            </a:r>
+          </a:p>
+          <a:p>
+            <a:endParaRPr lang="nl-NL" dirty="0"/>
+          </a:p>
+        </p:txBody>
+      </p:sp>
+      <p:pic>
+        <p:nvPicPr>
+          <p:cNvPr id="4" name="Picture 2" descr="http://profielen.hr.nl/wp-content/uploads/tu_delft_logo.jpg"/>
+          <p:cNvPicPr>
+            <a:picLocks noChangeAspect="1" noChangeArrowheads="1"/>
+          </p:cNvPicPr>
+          <p:nvPr/>
+        </p:nvPicPr>
+        <p:blipFill>
+          <a:blip r:embed="rId2" cstate="print">
+            <a:extLst>
+              <a:ext uri="{28A0092B-C50C-407E-A947-70E740481C1C}">
+                <a14:useLocalDpi xmlns:a14="http://schemas.microsoft.com/office/drawing/2010/main" val="0"/>
+              </a:ext>
+            </a:extLst>
+          </a:blip>
+          <a:srcRect/>
+          <a:stretch>
+            <a:fillRect/>
+          </a:stretch>
+        </p:blipFill>
+        <p:spPr bwMode="auto">
+          <a:xfrm>
+            <a:off x="7164288" y="5822912"/>
+            <a:ext cx="1323653" cy="563401"/>
+          </a:xfrm>
+          <a:prstGeom prst="rect">
+            <a:avLst/>
+          </a:prstGeom>
+          <a:noFill/>
+          <a:extLst>
+            <a:ext uri="{909E8E84-426E-40DD-AFC4-6F175D3DCCD1}">
+              <a14:hiddenFill xmlns:a14="http://schemas.microsoft.com/office/drawing/2010/main">
+                <a:solidFill>
+                  <a:srgbClr val="FFFFFF"/>
+                </a:solidFill>
+              </a14:hiddenFill>
+            </a:ext>
+          </a:extLst>
+        </p:spPr>
+      </p:pic>
+      <p:sp>
+        <p:nvSpPr>
+          <p:cNvPr id="5" name="TextBox 4"/>
+          <p:cNvSpPr txBox="1"/>
+          <p:nvPr/>
+        </p:nvSpPr>
+        <p:spPr>
+          <a:xfrm>
+            <a:off x="6517583" y="188640"/>
+            <a:ext cx="1584176" cy="369332"/>
+          </a:xfrm>
+          <a:prstGeom prst="rect">
+            <a:avLst/>
+          </a:prstGeom>
+          <a:noFill/>
+        </p:spPr>
+        <p:txBody>
+          <a:bodyPr wrap="square" rtlCol="0">
+            <a:spAutoFit/>
+          </a:bodyPr>
+          <a:lstStyle/>
+          <a:p>
+            <a:pPr algn="r"/>
+            <a:r>
+              <a:rPr lang="nl-NL" dirty="0" smtClean="0">
+                <a:solidFill>
+                  <a:schemeClr val="bg1"/>
+                </a:solidFill>
+              </a:rPr>
+              <a:t>16/18</a:t>
+            </a:r>
+            <a:endParaRPr lang="nl-NL" dirty="0">
+              <a:solidFill>
+                <a:schemeClr val="bg1"/>
+              </a:solidFill>
+            </a:endParaRPr>
+          </a:p>
+        </p:txBody>
+      </p:sp>
+    </p:spTree>
+    <p:extLst>
+      <p:ext uri="{BB962C8B-B14F-4D97-AF65-F5344CB8AC3E}">
+        <p14:creationId xmlns:p14="http://schemas.microsoft.com/office/powerpoint/2010/main" val="197585957"/>
+      </p:ext>
+    </p:extLst>
+  </p:cSld>
+  <p:clrMapOvr>
+    <a:masterClrMapping/>
+  </p:clrMapOvr>
+  <p:timing>
+    <p:tnLst>
+      <p:par>
+        <p:cTn id="1" dur="indefinite" restart="never" nodeType="tmRoot"/>
+      </p:par>
+    </p:tnLst>
+  </p:timing>
+</p:sld>
+</file>
+
+<file path=ppt/slides/slide17.xml><?xml version="1.0" encoding="utf-8"?>
+<p:sld xmlns:a="http://schemas.openxmlformats.org/drawingml/2006/main" xmlns:r="http://schemas.openxmlformats.org/officeDocument/2006/relationships" xmlns:p="http://schemas.openxmlformats.org/presentationml/2006/main">
+  <p:cSld>
+    <p:spTree>
+      <p:nvGrpSpPr>
+        <p:cNvPr id="1" name=""/>
+        <p:cNvGrpSpPr/>
+        <p:nvPr/>
+      </p:nvGrpSpPr>
+      <p:grpSpPr>
+        <a:xfrm>
+          <a:off x="0" y="0"/>
+          <a:ext cx="0" cy="0"/>
+          <a:chOff x="0" y="0"/>
+          <a:chExt cx="0" cy="0"/>
+        </a:xfrm>
+      </p:grpSpPr>
+      <p:sp>
+        <p:nvSpPr>
+          <p:cNvPr id="2" name="Title 1"/>
+          <p:cNvSpPr>
+            <a:spLocks noGrp="1"/>
+          </p:cNvSpPr>
+          <p:nvPr>
+            <p:ph type="title"/>
+          </p:nvPr>
+        </p:nvSpPr>
+        <p:spPr/>
+        <p:txBody>
+          <a:bodyPr/>
+          <a:lstStyle/>
+          <a:p>
+            <a:r>
+              <a:rPr lang="nl-NL" dirty="0" smtClean="0"/>
+              <a:t>Persoons-segmentatie</a:t>
+            </a:r>
+            <a:endParaRPr lang="nl-NL" dirty="0"/>
+          </a:p>
+        </p:txBody>
+      </p:sp>
+      <p:sp>
+        <p:nvSpPr>
+          <p:cNvPr id="3" name="Content Placeholder 2"/>
+          <p:cNvSpPr>
+            <a:spLocks noGrp="1"/>
+          </p:cNvSpPr>
+          <p:nvPr>
+            <p:ph idx="1"/>
+          </p:nvPr>
+        </p:nvSpPr>
+        <p:spPr/>
+        <p:txBody>
+          <a:bodyPr/>
+          <a:lstStyle/>
+          <a:p>
+            <a:endParaRPr lang="nl-NL" dirty="0" smtClean="0"/>
+          </a:p>
+          <a:p>
+            <a:r>
+              <a:rPr lang="nl-NL" dirty="0" smtClean="0"/>
+              <a:t>Achtergrond</a:t>
+            </a:r>
+          </a:p>
+          <a:p>
+            <a:endParaRPr lang="nl-NL" dirty="0"/>
+          </a:p>
+          <a:p>
+            <a:r>
+              <a:rPr lang="nl-NL" dirty="0" smtClean="0"/>
+              <a:t>Blob</a:t>
+            </a:r>
+            <a:endParaRPr lang="nl-NL" dirty="0"/>
+          </a:p>
+        </p:txBody>
+      </p:sp>
+      <p:pic>
+        <p:nvPicPr>
+          <p:cNvPr id="4" name="Picture 2" descr="http://profielen.hr.nl/wp-content/uploads/tu_delft_logo.jpg"/>
+          <p:cNvPicPr>
+            <a:picLocks noChangeAspect="1" noChangeArrowheads="1"/>
+          </p:cNvPicPr>
+          <p:nvPr/>
+        </p:nvPicPr>
+        <p:blipFill>
+          <a:blip r:embed="rId2" cstate="print">
+            <a:extLst>
+              <a:ext uri="{28A0092B-C50C-407E-A947-70E740481C1C}">
+                <a14:useLocalDpi xmlns:a14="http://schemas.microsoft.com/office/drawing/2010/main" val="0"/>
+              </a:ext>
+            </a:extLst>
+          </a:blip>
+          <a:srcRect/>
+          <a:stretch>
+            <a:fillRect/>
+          </a:stretch>
+        </p:blipFill>
+        <p:spPr bwMode="auto">
+          <a:xfrm>
+            <a:off x="7164288" y="5822912"/>
+            <a:ext cx="1323653" cy="563401"/>
+          </a:xfrm>
+          <a:prstGeom prst="rect">
+            <a:avLst/>
+          </a:prstGeom>
+          <a:noFill/>
+          <a:extLst>
+            <a:ext uri="{909E8E84-426E-40DD-AFC4-6F175D3DCCD1}">
+              <a14:hiddenFill xmlns:a14="http://schemas.microsoft.com/office/drawing/2010/main">
+                <a:solidFill>
+                  <a:srgbClr val="FFFFFF"/>
+                </a:solidFill>
+              </a14:hiddenFill>
+            </a:ext>
+          </a:extLst>
+        </p:spPr>
+      </p:pic>
+      <p:sp>
+        <p:nvSpPr>
+          <p:cNvPr id="5" name="TextBox 4"/>
+          <p:cNvSpPr txBox="1"/>
+          <p:nvPr/>
+        </p:nvSpPr>
+        <p:spPr>
+          <a:xfrm>
+            <a:off x="6517583" y="188640"/>
+            <a:ext cx="1584176" cy="369332"/>
+          </a:xfrm>
+          <a:prstGeom prst="rect">
+            <a:avLst/>
+          </a:prstGeom>
+          <a:noFill/>
+        </p:spPr>
+        <p:txBody>
+          <a:bodyPr wrap="square" rtlCol="0">
+            <a:spAutoFit/>
+          </a:bodyPr>
+          <a:lstStyle/>
+          <a:p>
+            <a:pPr algn="r"/>
+            <a:r>
+              <a:rPr lang="nl-NL" dirty="0" smtClean="0">
+                <a:solidFill>
+                  <a:schemeClr val="bg1"/>
+                </a:solidFill>
+              </a:rPr>
+              <a:t>17/18</a:t>
+            </a:r>
+            <a:endParaRPr lang="nl-NL" dirty="0">
+              <a:solidFill>
+                <a:schemeClr val="bg1"/>
+              </a:solidFill>
+            </a:endParaRPr>
+          </a:p>
+        </p:txBody>
+      </p:sp>
+    </p:spTree>
+    <p:extLst>
+      <p:ext uri="{BB962C8B-B14F-4D97-AF65-F5344CB8AC3E}">
+        <p14:creationId xmlns:p14="http://schemas.microsoft.com/office/powerpoint/2010/main" val="128208320"/>
+      </p:ext>
+    </p:extLst>
+  </p:cSld>
+  <p:clrMapOvr>
+    <a:masterClrMapping/>
+  </p:clrMapOvr>
+  <p:timing>
+    <p:tnLst>
+      <p:par>
+        <p:cTn id="1" dur="indefinite" restart="never" nodeType="tmRoot"/>
+      </p:par>
+    </p:tnLst>
+  </p:timing>
+</p:sld>
+</file>
+
+<file path=ppt/slides/slide18.xml><?xml version="1.0" encoding="utf-8"?>
+<p:sld xmlns:a="http://schemas.openxmlformats.org/drawingml/2006/main" xmlns:r="http://schemas.openxmlformats.org/officeDocument/2006/relationships" xmlns:p="http://schemas.openxmlformats.org/presentationml/2006/main">
+  <p:cSld>
+    <p:spTree>
+      <p:nvGrpSpPr>
+        <p:cNvPr id="1" name=""/>
+        <p:cNvGrpSpPr/>
+        <p:nvPr/>
+      </p:nvGrpSpPr>
+      <p:grpSpPr>
+        <a:xfrm>
+          <a:off x="0" y="0"/>
+          <a:ext cx="0" cy="0"/>
+          <a:chOff x="0" y="0"/>
+          <a:chExt cx="0" cy="0"/>
+        </a:xfrm>
+      </p:grpSpPr>
+      <p:sp>
+        <p:nvSpPr>
+          <p:cNvPr id="2" name="Title 1"/>
+          <p:cNvSpPr>
+            <a:spLocks noGrp="1"/>
+          </p:cNvSpPr>
+          <p:nvPr>
+            <p:ph type="title"/>
+          </p:nvPr>
+        </p:nvSpPr>
+        <p:spPr/>
+        <p:txBody>
+          <a:bodyPr/>
+          <a:lstStyle/>
+          <a:p>
+            <a:r>
+              <a:rPr lang="nl-NL" dirty="0" smtClean="0"/>
+              <a:t>Conclusie</a:t>
+            </a:r>
+            <a:endParaRPr lang="nl-NL" dirty="0"/>
+          </a:p>
+        </p:txBody>
+      </p:sp>
+      <p:sp>
+        <p:nvSpPr>
+          <p:cNvPr id="3" name="Content Placeholder 2"/>
+          <p:cNvSpPr>
+            <a:spLocks noGrp="1"/>
+          </p:cNvSpPr>
+          <p:nvPr>
+            <p:ph idx="1"/>
+          </p:nvPr>
+        </p:nvSpPr>
+        <p:spPr/>
+        <p:txBody>
+          <a:bodyPr>
+            <a:normAutofit fontScale="92500" lnSpcReduction="20000"/>
+          </a:bodyPr>
+          <a:lstStyle/>
+          <a:p>
+            <a:r>
+              <a:rPr lang="nl-NL" dirty="0" smtClean="0"/>
+              <a:t>Moeilijke opgave</a:t>
+            </a:r>
+          </a:p>
+          <a:p>
+            <a:endParaRPr lang="nl-NL" dirty="0" smtClean="0"/>
+          </a:p>
+          <a:p>
+            <a:r>
+              <a:rPr lang="nl-NL" dirty="0" smtClean="0"/>
+              <a:t>Enkele bugs</a:t>
+            </a:r>
+          </a:p>
+          <a:p>
+            <a:pPr lvl="1"/>
+            <a:r>
+              <a:rPr lang="nl-NL" dirty="0" smtClean="0"/>
+              <a:t>Grote groepen</a:t>
+            </a:r>
+          </a:p>
+          <a:p>
+            <a:pPr lvl="1"/>
+            <a:endParaRPr lang="nl-NL" dirty="0"/>
+          </a:p>
+          <a:p>
+            <a:r>
+              <a:rPr lang="nl-NL" dirty="0" smtClean="0"/>
+              <a:t>Werkt prima</a:t>
+            </a:r>
+          </a:p>
+          <a:p>
+            <a:endParaRPr lang="nl-NL" dirty="0" smtClean="0"/>
+          </a:p>
+          <a:p>
+            <a:r>
+              <a:rPr lang="nl-NL" dirty="0" smtClean="0"/>
+              <a:t>Korte verwerkingstijd</a:t>
+            </a:r>
+          </a:p>
+          <a:p>
+            <a:endParaRPr lang="nl-NL" dirty="0" smtClean="0"/>
+          </a:p>
+          <a:p>
+            <a:r>
+              <a:rPr lang="nl-NL" dirty="0" smtClean="0"/>
+              <a:t>Geen crashes</a:t>
+            </a:r>
+          </a:p>
+        </p:txBody>
+      </p:sp>
+      <p:pic>
+        <p:nvPicPr>
+          <p:cNvPr id="4" name="Picture 2" descr="http://profielen.hr.nl/wp-content/uploads/tu_delft_logo.jpg"/>
+          <p:cNvPicPr>
+            <a:picLocks noChangeAspect="1" noChangeArrowheads="1"/>
+          </p:cNvPicPr>
+          <p:nvPr/>
+        </p:nvPicPr>
+        <p:blipFill>
+          <a:blip r:embed="rId2" cstate="print">
+            <a:extLst>
+              <a:ext uri="{28A0092B-C50C-407E-A947-70E740481C1C}">
+                <a14:useLocalDpi xmlns:a14="http://schemas.microsoft.com/office/drawing/2010/main" val="0"/>
+              </a:ext>
+            </a:extLst>
+          </a:blip>
+          <a:srcRect/>
+          <a:stretch>
+            <a:fillRect/>
+          </a:stretch>
+        </p:blipFill>
+        <p:spPr bwMode="auto">
+          <a:xfrm>
+            <a:off x="7164288" y="5822912"/>
+            <a:ext cx="1323653" cy="563401"/>
+          </a:xfrm>
+          <a:prstGeom prst="rect">
+            <a:avLst/>
+          </a:prstGeom>
+          <a:noFill/>
+          <a:extLst>
+            <a:ext uri="{909E8E84-426E-40DD-AFC4-6F175D3DCCD1}">
+              <a14:hiddenFill xmlns:a14="http://schemas.microsoft.com/office/drawing/2010/main">
+                <a:solidFill>
+                  <a:srgbClr val="FFFFFF"/>
+                </a:solidFill>
+              </a14:hiddenFill>
+            </a:ext>
+          </a:extLst>
+        </p:spPr>
+      </p:pic>
+      <p:sp>
+        <p:nvSpPr>
+          <p:cNvPr id="5" name="TextBox 4"/>
+          <p:cNvSpPr txBox="1"/>
+          <p:nvPr/>
+        </p:nvSpPr>
+        <p:spPr>
+          <a:xfrm>
+            <a:off x="6517583" y="188640"/>
+            <a:ext cx="1584176" cy="369332"/>
+          </a:xfrm>
+          <a:prstGeom prst="rect">
+            <a:avLst/>
+          </a:prstGeom>
+          <a:noFill/>
+        </p:spPr>
+        <p:txBody>
+          <a:bodyPr wrap="square" rtlCol="0">
+            <a:spAutoFit/>
+          </a:bodyPr>
+          <a:lstStyle/>
+          <a:p>
+            <a:pPr algn="r"/>
+            <a:r>
+              <a:rPr lang="nl-NL" dirty="0" smtClean="0">
+                <a:solidFill>
+                  <a:schemeClr val="bg1"/>
+                </a:solidFill>
+              </a:rPr>
+              <a:t>18/18</a:t>
+            </a:r>
+            <a:endParaRPr lang="nl-NL" dirty="0">
+              <a:solidFill>
+                <a:schemeClr val="bg1"/>
+              </a:solidFill>
+            </a:endParaRPr>
+          </a:p>
+        </p:txBody>
+      </p:sp>
+    </p:spTree>
+    <p:extLst>
+      <p:ext uri="{BB962C8B-B14F-4D97-AF65-F5344CB8AC3E}">
+        <p14:creationId xmlns:p14="http://schemas.microsoft.com/office/powerpoint/2010/main" val="3703588222"/>
+      </p:ext>
+    </p:extLst>
+  </p:cSld>
+  <p:clrMapOvr>
+    <a:masterClrMapping/>
+  </p:clrMapOvr>
+  <p:timing>
+    <p:tnLst>
+      <p:par>
+        <p:cTn id="1" dur="indefinite" restart="never" nodeType="tmRoot"/>
+      </p:par>
+    </p:tnLst>
+  </p:timing>
+</p:sld>
+</file>
+
+<file path=ppt/slides/slide19.xml><?xml version="1.0" encoding="utf-8"?>
+<p:sld xmlns:a="http://schemas.openxmlformats.org/drawingml/2006/main" xmlns:r="http://schemas.openxmlformats.org/officeDocument/2006/relationships" xmlns:p="http://schemas.openxmlformats.org/presentationml/2006/main">
+  <p:cSld>
+    <p:spTree>
+      <p:nvGrpSpPr>
+        <p:cNvPr id="1" name=""/>
+        <p:cNvGrpSpPr/>
+        <p:nvPr/>
+      </p:nvGrpSpPr>
+      <p:grpSpPr>
+        <a:xfrm>
+          <a:off x="0" y="0"/>
+          <a:ext cx="0" cy="0"/>
+          <a:chOff x="0" y="0"/>
+          <a:chExt cx="0" cy="0"/>
+        </a:xfrm>
+      </p:grpSpPr>
+      <p:sp>
+        <p:nvSpPr>
+          <p:cNvPr id="2" name="Title 1"/>
+          <p:cNvSpPr>
+            <a:spLocks noGrp="1"/>
+          </p:cNvSpPr>
+          <p:nvPr>
+            <p:ph type="title"/>
+          </p:nvPr>
+        </p:nvSpPr>
+        <p:spPr/>
+        <p:txBody>
+          <a:bodyPr/>
+          <a:lstStyle/>
+          <a:p>
+            <a:r>
+              <a:rPr lang="nl-NL" dirty="0" smtClean="0"/>
+              <a:t>Vragen?</a:t>
+            </a:r>
+            <a:endParaRPr lang="nl-NL" dirty="0"/>
+          </a:p>
+        </p:txBody>
+      </p:sp>
+      <p:pic>
+        <p:nvPicPr>
+          <p:cNvPr id="3074" name="Picture 2" descr="http://www.pixeldeluxe.nl/images/sized/files/illustraties/Vraag_faq1-280x280.jpg"/>
+          <p:cNvPicPr>
+            <a:picLocks noChangeAspect="1" noChangeArrowheads="1"/>
+          </p:cNvPicPr>
+          <p:nvPr/>
+        </p:nvPicPr>
+        <p:blipFill>
+          <a:blip r:embed="rId2">
+            <a:extLst>
+              <a:ext uri="{28A0092B-C50C-407E-A947-70E740481C1C}">
+                <a14:useLocalDpi xmlns:a14="http://schemas.microsoft.com/office/drawing/2010/main" val="0"/>
+              </a:ext>
+            </a:extLst>
+          </a:blip>
+          <a:srcRect/>
+          <a:stretch>
+            <a:fillRect/>
+          </a:stretch>
+        </p:blipFill>
+        <p:spPr bwMode="auto">
+          <a:xfrm>
+            <a:off x="3203848" y="2708920"/>
+            <a:ext cx="2667000" cy="2667000"/>
+          </a:xfrm>
+          <a:prstGeom prst="rect">
+            <a:avLst/>
+          </a:prstGeom>
+          <a:noFill/>
+          <a:extLst>
+            <a:ext uri="{909E8E84-426E-40DD-AFC4-6F175D3DCCD1}">
+              <a14:hiddenFill xmlns:a14="http://schemas.microsoft.com/office/drawing/2010/main">
+                <a:solidFill>
+                  <a:srgbClr val="FFFFFF"/>
+                </a:solidFill>
+              </a14:hiddenFill>
+            </a:ext>
+          </a:extLst>
+        </p:spPr>
+      </p:pic>
+      <p:pic>
+        <p:nvPicPr>
+          <p:cNvPr id="5" name="Picture 2" descr="http://profielen.hr.nl/wp-content/uploads/tu_delft_logo.jpg"/>
+          <p:cNvPicPr>
+            <a:picLocks noChangeAspect="1" noChangeArrowheads="1"/>
+          </p:cNvPicPr>
+          <p:nvPr/>
+        </p:nvPicPr>
+        <p:blipFill>
+          <a:blip r:embed="rId3" cstate="print">
+            <a:extLst>
+              <a:ext uri="{28A0092B-C50C-407E-A947-70E740481C1C}">
+                <a14:useLocalDpi xmlns:a14="http://schemas.microsoft.com/office/drawing/2010/main" val="0"/>
+              </a:ext>
+            </a:extLst>
+          </a:blip>
+          <a:srcRect/>
+          <a:stretch>
+            <a:fillRect/>
+          </a:stretch>
+        </p:blipFill>
+        <p:spPr bwMode="auto">
+          <a:xfrm>
+            <a:off x="7164288" y="5822912"/>
+            <a:ext cx="1323653" cy="563401"/>
+          </a:xfrm>
+          <a:prstGeom prst="rect">
+            <a:avLst/>
+          </a:prstGeom>
+          <a:noFill/>
+          <a:extLst>
+            <a:ext uri="{909E8E84-426E-40DD-AFC4-6F175D3DCCD1}">
+              <a14:hiddenFill xmlns:a14="http://schemas.microsoft.com/office/drawing/2010/main">
+                <a:solidFill>
+                  <a:srgbClr val="FFFFFF"/>
+                </a:solidFill>
+              </a14:hiddenFill>
+            </a:ext>
+          </a:extLst>
+        </p:spPr>
+      </p:pic>
+      <p:sp>
+        <p:nvSpPr>
+          <p:cNvPr id="6" name="TextBox 5"/>
+          <p:cNvSpPr txBox="1"/>
+          <p:nvPr/>
+        </p:nvSpPr>
+        <p:spPr>
+          <a:xfrm>
+            <a:off x="6517583" y="188640"/>
+            <a:ext cx="1584176" cy="369332"/>
+          </a:xfrm>
+          <a:prstGeom prst="rect">
+            <a:avLst/>
+          </a:prstGeom>
+          <a:noFill/>
+        </p:spPr>
+        <p:txBody>
+          <a:bodyPr wrap="square" rtlCol="0">
+            <a:spAutoFit/>
+          </a:bodyPr>
+          <a:lstStyle/>
+          <a:p>
+            <a:pPr algn="r"/>
+            <a:r>
+              <a:rPr lang="nl-NL" dirty="0" smtClean="0">
+                <a:solidFill>
+                  <a:schemeClr val="bg1"/>
+                </a:solidFill>
+              </a:rPr>
+              <a:t>19/18</a:t>
+            </a:r>
+            <a:endParaRPr lang="nl-NL" dirty="0">
+              <a:solidFill>
+                <a:schemeClr val="bg1"/>
+              </a:solidFill>
+            </a:endParaRPr>
+          </a:p>
+        </p:txBody>
+      </p:sp>
+    </p:spTree>
+    <p:extLst>
+      <p:ext uri="{BB962C8B-B14F-4D97-AF65-F5344CB8AC3E}">
+        <p14:creationId xmlns:p14="http://schemas.microsoft.com/office/powerpoint/2010/main" val="1427555073"/>
       </p:ext>
     </p:extLst>
   </p:cSld>
@@ -14495,13 +16580,13 @@
   <p:clrMapOvr>
     <a:masterClrMapping/>
   </p:clrMapOvr>
-  <mc:AlternateContent xmlns:mc="http://schemas.openxmlformats.org/markup-compatibility/2006">
-    <mc:Choice xmlns:p14="http://schemas.microsoft.com/office/powerpoint/2010/main" Requires="p14">
+  <mc:AlternateContent xmlns:mc="http://schemas.openxmlformats.org/markup-compatibility/2006" xmlns:p14="http://schemas.microsoft.com/office/powerpoint/2010/main">
+    <mc:Choice Requires="p14">
       <p:transition spd="med" p14:dur="700">
         <p:fade/>
       </p:transition>
     </mc:Choice>
-    <mc:Fallback>
+    <mc:Fallback xmlns="">
       <p:transition spd="med">
         <p:fade/>
       </p:transition>
@@ -14702,6 +16787,45 @@
           </a:extLst>
         </p:spPr>
       </p:pic>
+      <p:sp>
+        <p:nvSpPr>
+          <p:cNvPr id="5" name="TextBox 4"/>
+          <p:cNvSpPr txBox="1"/>
+          <p:nvPr/>
+        </p:nvSpPr>
+        <p:spPr>
+          <a:xfrm>
+            <a:off x="6517583" y="188640"/>
+            <a:ext cx="1584176" cy="369332"/>
+          </a:xfrm>
+          <a:prstGeom prst="rect">
+            <a:avLst/>
+          </a:prstGeom>
+          <a:noFill/>
+        </p:spPr>
+        <p:txBody>
+          <a:bodyPr wrap="square" rtlCol="0">
+            <a:spAutoFit/>
+          </a:bodyPr>
+          <a:lstStyle/>
+          <a:p>
+            <a:pPr algn="r"/>
+            <a:r>
+              <a:rPr lang="nl-NL" dirty="0" smtClean="0">
+                <a:solidFill>
+                  <a:schemeClr val="bg1"/>
+                </a:solidFill>
+              </a:rPr>
+              <a:t>3/18</a:t>
+            </a:r>
+            <a:endParaRPr lang="nl-NL" dirty="0">
+              <a:solidFill>
+                <a:schemeClr val="bg1"/>
+              </a:solidFill>
+            </a:endParaRPr>
+          </a:p>
+        </p:txBody>
+      </p:sp>
     </p:spTree>
     <p:extLst>
       <p:ext uri="{BB962C8B-B14F-4D97-AF65-F5344CB8AC3E}">
@@ -14940,6 +17064,45 @@
           </a:extLst>
         </p:spPr>
       </p:pic>
+      <p:sp>
+        <p:nvSpPr>
+          <p:cNvPr id="6" name="TextBox 5"/>
+          <p:cNvSpPr txBox="1"/>
+          <p:nvPr/>
+        </p:nvSpPr>
+        <p:spPr>
+          <a:xfrm>
+            <a:off x="6517583" y="188640"/>
+            <a:ext cx="1584176" cy="369332"/>
+          </a:xfrm>
+          <a:prstGeom prst="rect">
+            <a:avLst/>
+          </a:prstGeom>
+          <a:noFill/>
+        </p:spPr>
+        <p:txBody>
+          <a:bodyPr wrap="square" rtlCol="0">
+            <a:spAutoFit/>
+          </a:bodyPr>
+          <a:lstStyle/>
+          <a:p>
+            <a:pPr algn="r"/>
+            <a:r>
+              <a:rPr lang="nl-NL" dirty="0" smtClean="0">
+                <a:solidFill>
+                  <a:schemeClr val="bg1"/>
+                </a:solidFill>
+              </a:rPr>
+              <a:t>4/18</a:t>
+            </a:r>
+            <a:endParaRPr lang="nl-NL" dirty="0">
+              <a:solidFill>
+                <a:schemeClr val="bg1"/>
+              </a:solidFill>
+            </a:endParaRPr>
+          </a:p>
+        </p:txBody>
+      </p:sp>
     </p:spTree>
     <p:extLst>
       <p:ext uri="{BB962C8B-B14F-4D97-AF65-F5344CB8AC3E}">
@@ -15189,6 +17352,45 @@
           </a:extLst>
         </p:spPr>
       </p:pic>
+      <p:sp>
+        <p:nvSpPr>
+          <p:cNvPr id="5" name="TextBox 4"/>
+          <p:cNvSpPr txBox="1"/>
+          <p:nvPr/>
+        </p:nvSpPr>
+        <p:spPr>
+          <a:xfrm>
+            <a:off x="6517583" y="188640"/>
+            <a:ext cx="1584176" cy="369332"/>
+          </a:xfrm>
+          <a:prstGeom prst="rect">
+            <a:avLst/>
+          </a:prstGeom>
+          <a:noFill/>
+        </p:spPr>
+        <p:txBody>
+          <a:bodyPr wrap="square" rtlCol="0">
+            <a:spAutoFit/>
+          </a:bodyPr>
+          <a:lstStyle/>
+          <a:p>
+            <a:pPr algn="r"/>
+            <a:r>
+              <a:rPr lang="nl-NL" dirty="0" smtClean="0">
+                <a:solidFill>
+                  <a:schemeClr val="bg1"/>
+                </a:solidFill>
+              </a:rPr>
+              <a:t>5/18</a:t>
+            </a:r>
+            <a:endParaRPr lang="nl-NL" dirty="0">
+              <a:solidFill>
+                <a:schemeClr val="bg1"/>
+              </a:solidFill>
+            </a:endParaRPr>
+          </a:p>
+        </p:txBody>
+      </p:sp>
     </p:spTree>
     <p:extLst>
       <p:ext uri="{BB962C8B-B14F-4D97-AF65-F5344CB8AC3E}">
@@ -15646,6 +17848,45 @@
           </a:extLst>
         </p:spPr>
       </p:pic>
+      <p:sp>
+        <p:nvSpPr>
+          <p:cNvPr id="9" name="TextBox 8"/>
+          <p:cNvSpPr txBox="1"/>
+          <p:nvPr/>
+        </p:nvSpPr>
+        <p:spPr>
+          <a:xfrm>
+            <a:off x="6517583" y="188640"/>
+            <a:ext cx="1584176" cy="369332"/>
+          </a:xfrm>
+          <a:prstGeom prst="rect">
+            <a:avLst/>
+          </a:prstGeom>
+          <a:noFill/>
+        </p:spPr>
+        <p:txBody>
+          <a:bodyPr wrap="square" rtlCol="0">
+            <a:spAutoFit/>
+          </a:bodyPr>
+          <a:lstStyle/>
+          <a:p>
+            <a:pPr algn="r"/>
+            <a:r>
+              <a:rPr lang="nl-NL" dirty="0" smtClean="0">
+                <a:solidFill>
+                  <a:schemeClr val="bg1"/>
+                </a:solidFill>
+              </a:rPr>
+              <a:t>6/18</a:t>
+            </a:r>
+            <a:endParaRPr lang="nl-NL" dirty="0">
+              <a:solidFill>
+                <a:schemeClr val="bg1"/>
+              </a:solidFill>
+            </a:endParaRPr>
+          </a:p>
+        </p:txBody>
+      </p:sp>
     </p:spTree>
     <p:extLst>
       <p:ext uri="{BB962C8B-B14F-4D97-AF65-F5344CB8AC3E}">
@@ -16131,7 +18372,7 @@
       </p:pic>
       <p:pic>
         <p:nvPicPr>
-          <p:cNvPr id="4100" name="Picture 4"/>
+          <p:cNvPr id="4101" name="Picture 5"/>
           <p:cNvPicPr>
             <a:picLocks noChangeAspect="1" noChangeArrowheads="1"/>
           </p:cNvPicPr>
@@ -16139,70 +18380,6 @@
         </p:nvPicPr>
         <p:blipFill>
           <a:blip r:embed="rId5">
-            <a:extLst>
-              <a:ext uri="{28A0092B-C50C-407E-A947-70E740481C1C}">
-                <a14:useLocalDpi xmlns:a14="http://schemas.microsoft.com/office/drawing/2010/main" val="0"/>
-              </a:ext>
-            </a:extLst>
-          </a:blip>
-          <a:srcRect/>
-          <a:stretch>
-            <a:fillRect/>
-          </a:stretch>
-        </p:blipFill>
-        <p:spPr bwMode="auto">
-          <a:xfrm>
-            <a:off x="4139952" y="3955860"/>
-            <a:ext cx="3482743" cy="1417180"/>
-          </a:xfrm>
-          <a:prstGeom prst="rect">
-            <a:avLst/>
-          </a:prstGeom>
-          <a:noFill/>
-          <a:ln>
-            <a:noFill/>
-          </a:ln>
-          <a:effectLst/>
-          <a:extLst>
-            <a:ext uri="{909E8E84-426E-40DD-AFC4-6F175D3DCCD1}">
-              <a14:hiddenFill xmlns:a14="http://schemas.microsoft.com/office/drawing/2010/main">
-                <a:solidFill>
-                  <a:schemeClr val="accent1"/>
-                </a:solidFill>
-              </a14:hiddenFill>
-            </a:ext>
-            <a:ext uri="{91240B29-F687-4F45-9708-019B960494DF}">
-              <a14:hiddenLine xmlns:a14="http://schemas.microsoft.com/office/drawing/2010/main" w="9525">
-                <a:solidFill>
-                  <a:schemeClr val="tx1"/>
-                </a:solidFill>
-                <a:miter lim="800000"/>
-                <a:headEnd/>
-                <a:tailEnd/>
-              </a14:hiddenLine>
-            </a:ext>
-            <a:ext uri="{AF507438-7753-43E0-B8FC-AC1667EBCBE1}">
-              <a14:hiddenEffects xmlns:a14="http://schemas.microsoft.com/office/drawing/2010/main">
-                <a:effectLst>
-                  <a:outerShdw dist="35921" dir="2700000" algn="ctr" rotWithShape="0">
-                    <a:schemeClr val="bg2"/>
-                  </a:outerShdw>
-                </a:effectLst>
-              </a14:hiddenEffects>
-            </a:ext>
-          </a:extLst>
-        </p:spPr>
-      </p:pic>
-      <p:pic>
-        <p:nvPicPr>
-          <p:cNvPr id="4101" name="Picture 5"/>
-          <p:cNvPicPr>
-            <a:picLocks noChangeAspect="1" noChangeArrowheads="1"/>
-          </p:cNvPicPr>
-          <p:nvPr/>
-        </p:nvPicPr>
-        <p:blipFill>
-          <a:blip r:embed="rId6">
             <a:extLst>
               <a:ext uri="{28A0092B-C50C-407E-A947-70E740481C1C}">
                 <a14:useLocalDpi xmlns:a14="http://schemas.microsoft.com/office/drawing/2010/main" val="0"/>
@@ -16266,7 +18443,7 @@
           <p:nvPr/>
         </p:nvPicPr>
         <p:blipFill>
-          <a:blip r:embed="rId7">
+          <a:blip r:embed="rId6">
             <a:extLst>
               <a:ext uri="{28A0092B-C50C-407E-A947-70E740481C1C}">
                 <a14:useLocalDpi xmlns:a14="http://schemas.microsoft.com/office/drawing/2010/main" val="0"/>
@@ -16330,7 +18507,7 @@
           <p:nvPr/>
         </p:nvPicPr>
         <p:blipFill>
-          <a:blip r:embed="rId8">
+          <a:blip r:embed="rId7">
             <a:extLst>
               <a:ext uri="{28A0092B-C50C-407E-A947-70E740481C1C}">
                 <a14:useLocalDpi xmlns:a14="http://schemas.microsoft.com/office/drawing/2010/main" val="0"/>
@@ -16394,7 +18571,7 @@
           <p:nvPr/>
         </p:nvPicPr>
         <p:blipFill>
-          <a:blip r:embed="rId9">
+          <a:blip r:embed="rId8">
             <a:extLst>
               <a:ext uri="{28A0092B-C50C-407E-A947-70E740481C1C}">
                 <a14:useLocalDpi xmlns:a14="http://schemas.microsoft.com/office/drawing/2010/main" val="0"/>
@@ -16449,6 +18626,109 @@
           </a:extLst>
         </p:spPr>
       </p:pic>
+      <p:pic>
+        <p:nvPicPr>
+          <p:cNvPr id="1026" name="Picture 2"/>
+          <p:cNvPicPr>
+            <a:picLocks noChangeAspect="1" noChangeArrowheads="1"/>
+          </p:cNvPicPr>
+          <p:nvPr/>
+        </p:nvPicPr>
+        <p:blipFill>
+          <a:blip r:embed="rId9">
+            <a:extLst>
+              <a:ext uri="{28A0092B-C50C-407E-A947-70E740481C1C}">
+                <a14:useLocalDpi xmlns:a14="http://schemas.microsoft.com/office/drawing/2010/main" val="0"/>
+              </a:ext>
+            </a:extLst>
+          </a:blip>
+          <a:srcRect/>
+          <a:stretch>
+            <a:fillRect/>
+          </a:stretch>
+        </p:blipFill>
+        <p:spPr bwMode="auto">
+          <a:xfrm>
+            <a:off x="3923928" y="3731000"/>
+            <a:ext cx="3777974" cy="1376362"/>
+          </a:xfrm>
+          <a:prstGeom prst="rect">
+            <a:avLst/>
+          </a:prstGeom>
+          <a:noFill/>
+          <a:ln>
+            <a:noFill/>
+          </a:ln>
+          <a:effectLst/>
+          <a:extLst>
+            <a:ext uri="{909E8E84-426E-40DD-AFC4-6F175D3DCCD1}">
+              <a14:hiddenFill xmlns:a14="http://schemas.microsoft.com/office/drawing/2010/main">
+                <a:solidFill>
+                  <a:schemeClr val="accent1"/>
+                </a:solidFill>
+              </a14:hiddenFill>
+            </a:ext>
+            <a:ext uri="{91240B29-F687-4F45-9708-019B960494DF}">
+              <a14:hiddenLine xmlns:a14="http://schemas.microsoft.com/office/drawing/2010/main" w="9525">
+                <a:solidFill>
+                  <a:schemeClr val="tx1"/>
+                </a:solidFill>
+                <a:miter lim="800000"/>
+                <a:headEnd/>
+                <a:tailEnd/>
+              </a14:hiddenLine>
+            </a:ext>
+            <a:ext uri="{AF507438-7753-43E0-B8FC-AC1667EBCBE1}">
+              <a14:hiddenEffects xmlns:a14="http://schemas.microsoft.com/office/drawing/2010/main">
+                <a:effectLst>
+                  <a:outerShdw dist="35921" dir="2700000" algn="ctr" rotWithShape="0">
+                    <a:schemeClr val="bg2"/>
+                  </a:outerShdw>
+                </a:effectLst>
+              </a14:hiddenEffects>
+            </a:ext>
+          </a:extLst>
+        </p:spPr>
+      </p:pic>
+      <p:sp>
+        <p:nvSpPr>
+          <p:cNvPr id="13" name="TextBox 12"/>
+          <p:cNvSpPr txBox="1"/>
+          <p:nvPr/>
+        </p:nvSpPr>
+        <p:spPr>
+          <a:xfrm>
+            <a:off x="6517583" y="188640"/>
+            <a:ext cx="1584176" cy="369332"/>
+          </a:xfrm>
+          <a:prstGeom prst="rect">
+            <a:avLst/>
+          </a:prstGeom>
+          <a:noFill/>
+        </p:spPr>
+        <p:txBody>
+          <a:bodyPr wrap="square" rtlCol="0">
+            <a:spAutoFit/>
+          </a:bodyPr>
+          <a:lstStyle/>
+          <a:p>
+            <a:pPr algn="r"/>
+            <a:r>
+              <a:rPr lang="nl-NL" dirty="0" smtClean="0">
+                <a:solidFill>
+                  <a:schemeClr val="bg1"/>
+                </a:solidFill>
+              </a:rPr>
+              <a:t>7/18</a:t>
+            </a:r>
+            <a:endParaRPr lang="nl-NL" dirty="0">
+              <a:solidFill>
+                <a:schemeClr val="bg1"/>
+              </a:solidFill>
+            </a:endParaRPr>
+          </a:p>
+        </p:txBody>
+      </p:sp>
     </p:spTree>
     <p:extLst>
       <p:ext uri="{BB962C8B-B14F-4D97-AF65-F5344CB8AC3E}">
@@ -16459,6 +18739,14 @@
   <p:clrMapOvr>
     <a:masterClrMapping/>
   </p:clrMapOvr>
+  <mc:AlternateContent xmlns:mc="http://schemas.openxmlformats.org/markup-compatibility/2006">
+    <mc:Choice xmlns:p14="http://schemas.microsoft.com/office/powerpoint/2010/main" Requires="p14">
+      <p:transition p14:dur="0"/>
+    </mc:Choice>
+    <mc:Fallback>
+      <p:transition/>
+    </mc:Fallback>
+  </mc:AlternateContent>
   <p:timing>
     <p:tnLst>
       <p:par>
@@ -16493,7 +18781,7 @@
                                           </p:stCondLst>
                                         </p:cTn>
                                         <p:tgtEl>
-                                          <p:spTgt spid="4100"/>
+                                          <p:spTgt spid="1026"/>
                                         </p:tgtEl>
                                         <p:attrNameLst>
                                           <p:attrName>style.visibility</p:attrName>
@@ -16507,7 +18795,7 @@
                                       <p:cBhvr>
                                         <p:cTn id="7" dur="500"/>
                                         <p:tgtEl>
-                                          <p:spTgt spid="4100"/>
+                                          <p:spTgt spid="1026"/>
                                         </p:tgtEl>
                                       </p:cBhvr>
                                     </p:animEffect>
@@ -16824,17 +19112,18 @@
           <a:lstStyle/>
           <a:p>
             <a:r>
+              <a:rPr lang="en-US" dirty="0" err="1"/>
+              <a:t>Beweging</a:t>
+            </a:r>
+            <a:endParaRPr lang="en-US" dirty="0"/>
+          </a:p>
+          <a:p>
+            <a:endParaRPr lang="en-US" dirty="0" smtClean="0"/>
+          </a:p>
+          <a:p>
+            <a:r>
               <a:rPr lang="en-US" dirty="0" smtClean="0"/>
               <a:t>Grayscale</a:t>
-            </a:r>
-          </a:p>
-          <a:p>
-            <a:endParaRPr lang="en-US" dirty="0"/>
-          </a:p>
-          <a:p>
-            <a:r>
-              <a:rPr lang="en-US" dirty="0" err="1" smtClean="0"/>
-              <a:t>Beweging</a:t>
             </a:r>
             <a:endParaRPr lang="en-US" dirty="0" smtClean="0"/>
           </a:p>
@@ -16982,6 +19271,45 @@
           </a:extLst>
         </p:spPr>
       </p:pic>
+      <p:sp>
+        <p:nvSpPr>
+          <p:cNvPr id="6" name="TextBox 5"/>
+          <p:cNvSpPr txBox="1"/>
+          <p:nvPr/>
+        </p:nvSpPr>
+        <p:spPr>
+          <a:xfrm>
+            <a:off x="6517583" y="188640"/>
+            <a:ext cx="1584176" cy="369332"/>
+          </a:xfrm>
+          <a:prstGeom prst="rect">
+            <a:avLst/>
+          </a:prstGeom>
+          <a:noFill/>
+        </p:spPr>
+        <p:txBody>
+          <a:bodyPr wrap="square" rtlCol="0">
+            <a:spAutoFit/>
+          </a:bodyPr>
+          <a:lstStyle/>
+          <a:p>
+            <a:pPr algn="r"/>
+            <a:r>
+              <a:rPr lang="nl-NL" dirty="0" smtClean="0">
+                <a:solidFill>
+                  <a:schemeClr val="bg1"/>
+                </a:solidFill>
+              </a:rPr>
+              <a:t>8/18</a:t>
+            </a:r>
+            <a:endParaRPr lang="nl-NL" dirty="0">
+              <a:solidFill>
+                <a:schemeClr val="bg1"/>
+              </a:solidFill>
+            </a:endParaRPr>
+          </a:p>
+        </p:txBody>
+      </p:sp>
     </p:spTree>
     <p:extLst>
       <p:ext uri="{BB962C8B-B14F-4D97-AF65-F5344CB8AC3E}">
@@ -17214,6 +19542,86 @@
           </a:extLst>
         </p:spPr>
       </p:pic>
+      <p:pic>
+        <p:nvPicPr>
+          <p:cNvPr id="2050" name="Picture 2" descr="C:\Users\Tim\Desktop\imaging-project-group-5\headHunterAnim.gif"/>
+          <p:cNvPicPr>
+            <a:picLocks noChangeAspect="1" noChangeArrowheads="1" noCrop="1"/>
+          </p:cNvPicPr>
+          <p:nvPr/>
+        </p:nvPicPr>
+        <p:blipFill>
+          <a:blip r:embed="rId3">
+            <a:extLst>
+              <a:ext uri="{28A0092B-C50C-407E-A947-70E740481C1C}">
+                <a14:useLocalDpi xmlns:a14="http://schemas.microsoft.com/office/drawing/2010/main" val="0"/>
+              </a:ext>
+            </a:extLst>
+          </a:blip>
+          <a:srcRect/>
+          <a:stretch>
+            <a:fillRect/>
+          </a:stretch>
+        </p:blipFill>
+        <p:spPr bwMode="auto">
+          <a:xfrm>
+            <a:off x="6588224" y="3501008"/>
+            <a:ext cx="1561356" cy="1072131"/>
+          </a:xfrm>
+          <a:prstGeom prst="rect">
+            <a:avLst/>
+          </a:prstGeom>
+          <a:noFill/>
+          <a:extLst>
+            <a:ext uri="{909E8E84-426E-40DD-AFC4-6F175D3DCCD1}">
+              <a14:hiddenFill xmlns:a14="http://schemas.microsoft.com/office/drawing/2010/main">
+                <a:solidFill>
+                  <a:srgbClr val="FFFFFF"/>
+                </a:solidFill>
+              </a14:hiddenFill>
+            </a:ext>
+          </a:extLst>
+        </p:spPr>
+      </p:pic>
+      <p:sp>
+        <p:nvSpPr>
+          <p:cNvPr id="6" name="TextBox 5"/>
+          <p:cNvSpPr txBox="1"/>
+          <p:nvPr/>
+        </p:nvSpPr>
+        <p:spPr>
+          <a:xfrm>
+            <a:off x="6517583" y="188640"/>
+            <a:ext cx="1584176" cy="369332"/>
+          </a:xfrm>
+          <a:prstGeom prst="rect">
+            <a:avLst/>
+          </a:prstGeom>
+          <a:noFill/>
+        </p:spPr>
+        <p:txBody>
+          <a:bodyPr wrap="square" rtlCol="0">
+            <a:spAutoFit/>
+          </a:bodyPr>
+          <a:lstStyle/>
+          <a:p>
+            <a:pPr algn="r"/>
+            <a:r>
+              <a:rPr lang="nl-NL" dirty="0" smtClean="0">
+                <a:solidFill>
+                  <a:schemeClr val="bg1"/>
+                </a:solidFill>
+              </a:rPr>
+              <a:t>9/18</a:t>
+            </a:r>
+            <a:endParaRPr lang="nl-NL" dirty="0">
+              <a:solidFill>
+                <a:schemeClr val="bg1"/>
+              </a:solidFill>
+            </a:endParaRPr>
+          </a:p>
+        </p:txBody>
+      </p:sp>
     </p:spTree>
     <p:extLst>
       <p:ext uri="{BB962C8B-B14F-4D97-AF65-F5344CB8AC3E}">
@@ -17227,7 +19635,136 @@
   <p:timing>
     <p:tnLst>
       <p:par>
-        <p:cTn id="1" dur="indefinite" restart="never" nodeType="tmRoot"/>
+        <p:cTn id="1" dur="indefinite" restart="never" nodeType="tmRoot">
+          <p:childTnLst>
+            <p:seq concurrent="1" nextAc="seek">
+              <p:cTn id="2" dur="indefinite" nodeType="mainSeq">
+                <p:childTnLst>
+                  <p:par>
+                    <p:cTn id="3" fill="hold">
+                      <p:stCondLst>
+                        <p:cond delay="indefinite"/>
+                      </p:stCondLst>
+                      <p:childTnLst>
+                        <p:par>
+                          <p:cTn id="4" fill="hold">
+                            <p:stCondLst>
+                              <p:cond delay="0"/>
+                            </p:stCondLst>
+                            <p:childTnLst>
+                              <p:par>
+                                <p:cTn id="5" presetID="10" presetClass="entr" presetSubtype="0" fill="hold" nodeType="clickEffect">
+                                  <p:stCondLst>
+                                    <p:cond delay="0"/>
+                                  </p:stCondLst>
+                                  <p:childTnLst>
+                                    <p:set>
+                                      <p:cBhvr>
+                                        <p:cTn id="6" dur="1" fill="hold">
+                                          <p:stCondLst>
+                                            <p:cond delay="0"/>
+                                          </p:stCondLst>
+                                        </p:cTn>
+                                        <p:tgtEl>
+                                          <p:spTgt spid="2050"/>
+                                        </p:tgtEl>
+                                        <p:attrNameLst>
+                                          <p:attrName>style.visibility</p:attrName>
+                                        </p:attrNameLst>
+                                      </p:cBhvr>
+                                      <p:to>
+                                        <p:strVal val="visible"/>
+                                      </p:to>
+                                    </p:set>
+                                    <p:animEffect transition="in" filter="fade">
+                                      <p:cBhvr>
+                                        <p:cTn id="7" dur="500"/>
+                                        <p:tgtEl>
+                                          <p:spTgt spid="2050"/>
+                                        </p:tgtEl>
+                                      </p:cBhvr>
+                                    </p:animEffect>
+                                  </p:childTnLst>
+                                </p:cTn>
+                              </p:par>
+                            </p:childTnLst>
+                          </p:cTn>
+                        </p:par>
+                      </p:childTnLst>
+                    </p:cTn>
+                  </p:par>
+                  <p:par>
+                    <p:cTn id="8" fill="hold">
+                      <p:stCondLst>
+                        <p:cond delay="indefinite"/>
+                      </p:stCondLst>
+                      <p:childTnLst>
+                        <p:par>
+                          <p:cTn id="9" fill="hold">
+                            <p:stCondLst>
+                              <p:cond delay="0"/>
+                            </p:stCondLst>
+                            <p:childTnLst>
+                              <p:par>
+                                <p:cTn id="10" presetID="10" presetClass="exit" presetSubtype="0" fill="hold" nodeType="clickEffect">
+                                  <p:stCondLst>
+                                    <p:cond delay="0"/>
+                                  </p:stCondLst>
+                                  <p:childTnLst>
+                                    <p:animEffect transition="out" filter="fade">
+                                      <p:cBhvr>
+                                        <p:cTn id="11" dur="500"/>
+                                        <p:tgtEl>
+                                          <p:spTgt spid="2050"/>
+                                        </p:tgtEl>
+                                      </p:cBhvr>
+                                    </p:animEffect>
+                                    <p:set>
+                                      <p:cBhvr>
+                                        <p:cTn id="12" dur="1" fill="hold">
+                                          <p:stCondLst>
+                                            <p:cond delay="499"/>
+                                          </p:stCondLst>
+                                        </p:cTn>
+                                        <p:tgtEl>
+                                          <p:spTgt spid="2050"/>
+                                        </p:tgtEl>
+                                        <p:attrNameLst>
+                                          <p:attrName>style.visibility</p:attrName>
+                                        </p:attrNameLst>
+                                      </p:cBhvr>
+                                      <p:to>
+                                        <p:strVal val="hidden"/>
+                                      </p:to>
+                                    </p:set>
+                                  </p:childTnLst>
+                                </p:cTn>
+                              </p:par>
+                            </p:childTnLst>
+                          </p:cTn>
+                        </p:par>
+                      </p:childTnLst>
+                    </p:cTn>
+                  </p:par>
+                </p:childTnLst>
+              </p:cTn>
+              <p:prevCondLst>
+                <p:cond evt="onPrev" delay="0">
+                  <p:tgtEl>
+                    <p:sldTgt/>
+                  </p:tgtEl>
+                </p:cond>
+              </p:prevCondLst>
+              <p:nextCondLst>
+                <p:cond evt="onNext" delay="0">
+                  <p:tgtEl>
+                    <p:sldTgt/>
+                  </p:tgtEl>
+                </p:cond>
+              </p:nextCondLst>
+            </p:seq>
+          </p:childTnLst>
+        </p:cTn>
       </p:par>
     </p:tnLst>
   </p:timing>
